--- a/old_version/office实卡生成源文件/资源.pptx
+++ b/old_version/office实卡生成源文件/资源.pptx
@@ -12,16 +12,18 @@
     <p:sldId id="266" r:id="rId6"/>
     <p:sldId id="287" r:id="rId7"/>
     <p:sldId id="302" r:id="rId8"/>
-    <p:sldId id="303" r:id="rId9"/>
-    <p:sldId id="307" r:id="rId10"/>
-    <p:sldId id="308" r:id="rId11"/>
-    <p:sldId id="306" r:id="rId12"/>
-    <p:sldId id="304" r:id="rId13"/>
-    <p:sldId id="310" r:id="rId14"/>
-    <p:sldId id="290" r:id="rId15"/>
-    <p:sldId id="295" r:id="rId16"/>
-    <p:sldId id="291" r:id="rId17"/>
-    <p:sldId id="283" r:id="rId18"/>
+    <p:sldId id="313" r:id="rId9"/>
+    <p:sldId id="303" r:id="rId10"/>
+    <p:sldId id="307" r:id="rId11"/>
+    <p:sldId id="312" r:id="rId12"/>
+    <p:sldId id="308" r:id="rId13"/>
+    <p:sldId id="306" r:id="rId14"/>
+    <p:sldId id="304" r:id="rId15"/>
+    <p:sldId id="310" r:id="rId16"/>
+    <p:sldId id="290" r:id="rId17"/>
+    <p:sldId id="295" r:id="rId18"/>
+    <p:sldId id="291" r:id="rId19"/>
+    <p:sldId id="283" r:id="rId20"/>
   </p:sldIdLst>
   <p:sldSz cx="4464050" cy="6264275"/>
   <p:notesSz cx="6888163" cy="10018713"/>
@@ -132,8 +134,10 @@
             <p14:sldId id="266"/>
             <p14:sldId id="287"/>
             <p14:sldId id="302"/>
+            <p14:sldId id="313"/>
             <p14:sldId id="303"/>
             <p14:sldId id="307"/>
+            <p14:sldId id="312"/>
             <p14:sldId id="308"/>
             <p14:sldId id="306"/>
             <p14:sldId id="304"/>
@@ -906,6 +910,288 @@
           <a:chExt cx="0" cy="0"/>
         </a:xfrm>
       </p:grpSpPr>
+      <p:sp>
+        <p:nvSpPr>
+          <p:cNvPr id="17" name="任意多边形: 形状 16">
+            <a:extLst>
+              <a:ext uri="{FF2B5EF4-FFF2-40B4-BE49-F238E27FC236}">
+                <a16:creationId xmlns:a16="http://schemas.microsoft.com/office/drawing/2014/main" id="{9B6BF4C1-C860-002D-D945-6EDE379607E4}"/>
+              </a:ext>
+            </a:extLst>
+          </p:cNvPr>
+          <p:cNvSpPr>
+            <a:spLocks/>
+          </p:cNvSpPr>
+          <p:nvPr/>
+        </p:nvSpPr>
+        <p:spPr>
+          <a:xfrm>
+            <a:off x="194426" y="236939"/>
+            <a:ext cx="475496" cy="475496"/>
+          </a:xfrm>
+          <a:custGeom>
+            <a:avLst/>
+            <a:gdLst>
+              <a:gd name="connsiteX0" fmla="*/ 280014 w 560028"/>
+              <a:gd name="connsiteY0" fmla="*/ 0 h 560028"/>
+              <a:gd name="connsiteX1" fmla="*/ 560028 w 560028"/>
+              <a:gd name="connsiteY1" fmla="*/ 280014 h 560028"/>
+              <a:gd name="connsiteX2" fmla="*/ 280014 w 560028"/>
+              <a:gd name="connsiteY2" fmla="*/ 560028 h 560028"/>
+              <a:gd name="connsiteX3" fmla="*/ 0 w 560028"/>
+              <a:gd name="connsiteY3" fmla="*/ 280014 h 560028"/>
+            </a:gdLst>
+            <a:ahLst/>
+            <a:cxnLst>
+              <a:cxn ang="0">
+                <a:pos x="connsiteX0" y="connsiteY0"/>
+              </a:cxn>
+              <a:cxn ang="0">
+                <a:pos x="connsiteX1" y="connsiteY1"/>
+              </a:cxn>
+              <a:cxn ang="0">
+                <a:pos x="connsiteX2" y="connsiteY2"/>
+              </a:cxn>
+              <a:cxn ang="0">
+                <a:pos x="connsiteX3" y="connsiteY3"/>
+              </a:cxn>
+            </a:cxnLst>
+            <a:rect l="l" t="t" r="r" b="b"/>
+            <a:pathLst>
+              <a:path w="560028" h="560028">
+                <a:moveTo>
+                  <a:pt x="280014" y="0"/>
+                </a:moveTo>
+                <a:lnTo>
+                  <a:pt x="560028" y="280014"/>
+                </a:lnTo>
+                <a:lnTo>
+                  <a:pt x="280014" y="560028"/>
+                </a:lnTo>
+                <a:lnTo>
+                  <a:pt x="0" y="280014"/>
+                </a:lnTo>
+                <a:close/>
+              </a:path>
+            </a:pathLst>
+          </a:custGeom>
+          <a:solidFill>
+            <a:srgbClr val="E4C027"/>
+          </a:solidFill>
+          <a:ln>
+            <a:solidFill>
+              <a:srgbClr val="FFFF00"/>
+            </a:solidFill>
+          </a:ln>
+          <a:scene3d>
+            <a:camera prst="orthographicFront"/>
+            <a:lightRig rig="threePt" dir="t"/>
+          </a:scene3d>
+          <a:sp3d>
+            <a:bevelT w="25400" h="25400" prst="relaxedInset"/>
+          </a:sp3d>
+        </p:spPr>
+        <p:style>
+          <a:lnRef idx="2">
+            <a:schemeClr val="accent1">
+              <a:shade val="50000"/>
+            </a:schemeClr>
+          </a:lnRef>
+          <a:fillRef idx="1">
+            <a:schemeClr val="accent1"/>
+          </a:fillRef>
+          <a:effectRef idx="0">
+            <a:schemeClr val="accent1"/>
+          </a:effectRef>
+          <a:fontRef idx="minor">
+            <a:schemeClr val="lt1"/>
+          </a:fontRef>
+        </p:style>
+        <p:txBody>
+          <a:bodyPr rtlCol="0" anchor="ctr"/>
+          <a:lstStyle/>
+          <a:p>
+            <a:pPr algn="ctr"/>
+            <a:endParaRPr lang="zh-CN" altLang="en-US" dirty="0"/>
+          </a:p>
+        </p:txBody>
+      </p:sp>
+      <p:sp>
+        <p:nvSpPr>
+          <p:cNvPr id="2" name="椭圆 1">
+            <a:extLst>
+              <a:ext uri="{FF2B5EF4-FFF2-40B4-BE49-F238E27FC236}">
+                <a16:creationId xmlns:a16="http://schemas.microsoft.com/office/drawing/2014/main" id="{5B036F8D-7A35-86F6-86FB-23AC94C3662A}"/>
+              </a:ext>
+            </a:extLst>
+          </p:cNvPr>
+          <p:cNvSpPr>
+            <a:spLocks noChangeAspect="1"/>
+          </p:cNvSpPr>
+          <p:nvPr/>
+        </p:nvSpPr>
+        <p:spPr>
+          <a:xfrm>
+            <a:off x="215924" y="263679"/>
+            <a:ext cx="432204" cy="432205"/>
+          </a:xfrm>
+          <a:prstGeom prst="ellipse">
+            <a:avLst/>
+          </a:prstGeom>
+          <a:solidFill>
+            <a:srgbClr val="44BB44"/>
+          </a:solidFill>
+          <a:ln>
+            <a:solidFill>
+              <a:srgbClr val="00EE55"/>
+            </a:solidFill>
+          </a:ln>
+        </p:spPr>
+        <p:style>
+          <a:lnRef idx="2">
+            <a:schemeClr val="accent1">
+              <a:shade val="50000"/>
+            </a:schemeClr>
+          </a:lnRef>
+          <a:fillRef idx="1">
+            <a:schemeClr val="accent1"/>
+          </a:fillRef>
+          <a:effectRef idx="0">
+            <a:schemeClr val="accent1"/>
+          </a:effectRef>
+          <a:fontRef idx="minor">
+            <a:schemeClr val="lt1"/>
+          </a:fontRef>
+        </p:style>
+        <p:txBody>
+          <a:bodyPr wrap="square" rtlCol="0" anchor="ctr">
+            <a:noAutofit/>
+          </a:bodyPr>
+          <a:lstStyle/>
+          <a:p>
+            <a:pPr algn="ctr"/>
+            <a:endParaRPr lang="zh-CN" altLang="en-US" sz="4400" dirty="0"/>
+          </a:p>
+        </p:txBody>
+      </p:sp>
+    </p:spTree>
+    <p:extLst>
+      <p:ext uri="{BB962C8B-B14F-4D97-AF65-F5344CB8AC3E}">
+        <p14:creationId xmlns:p14="http://schemas.microsoft.com/office/powerpoint/2010/main" val="205710510"/>
+      </p:ext>
+    </p:extLst>
+  </p:cSld>
+  <p:clrMapOvr>
+    <a:masterClrMapping/>
+  </p:clrMapOvr>
+</p:sld>
+</file>
+
+<file path=ppt/slides/slide11.xml><?xml version="1.0" encoding="utf-8"?>
+<p:sld xmlns:a="http://schemas.openxmlformats.org/drawingml/2006/main" xmlns:r="http://schemas.openxmlformats.org/officeDocument/2006/relationships" xmlns:p="http://schemas.openxmlformats.org/presentationml/2006/main">
+  <p:cSld>
+    <p:spTree>
+      <p:nvGrpSpPr>
+        <p:cNvPr id="1" name=""/>
+        <p:cNvGrpSpPr/>
+        <p:nvPr/>
+      </p:nvGrpSpPr>
+      <p:grpSpPr>
+        <a:xfrm>
+          <a:off x="0" y="0"/>
+          <a:ext cx="0" cy="0"/>
+          <a:chOff x="0" y="0"/>
+          <a:chExt cx="0" cy="0"/>
+        </a:xfrm>
+      </p:grpSpPr>
+      <p:sp>
+        <p:nvSpPr>
+          <p:cNvPr id="2" name="椭圆 1">
+            <a:extLst>
+              <a:ext uri="{FF2B5EF4-FFF2-40B4-BE49-F238E27FC236}">
+                <a16:creationId xmlns:a16="http://schemas.microsoft.com/office/drawing/2014/main" id="{FB3D05B1-0EA3-1520-A26A-FA778279F971}"/>
+              </a:ext>
+            </a:extLst>
+          </p:cNvPr>
+          <p:cNvSpPr>
+            <a:spLocks noChangeAspect="1"/>
+          </p:cNvSpPr>
+          <p:nvPr/>
+        </p:nvSpPr>
+        <p:spPr>
+          <a:xfrm>
+            <a:off x="215924" y="263679"/>
+            <a:ext cx="432204" cy="432205"/>
+          </a:xfrm>
+          <a:prstGeom prst="ellipse">
+            <a:avLst/>
+          </a:prstGeom>
+          <a:solidFill>
+            <a:srgbClr val="44BB44"/>
+          </a:solidFill>
+          <a:ln>
+            <a:solidFill>
+              <a:srgbClr val="00EE55"/>
+            </a:solidFill>
+          </a:ln>
+        </p:spPr>
+        <p:style>
+          <a:lnRef idx="2">
+            <a:schemeClr val="accent1">
+              <a:shade val="50000"/>
+            </a:schemeClr>
+          </a:lnRef>
+          <a:fillRef idx="1">
+            <a:schemeClr val="accent1"/>
+          </a:fillRef>
+          <a:effectRef idx="0">
+            <a:schemeClr val="accent1"/>
+          </a:effectRef>
+          <a:fontRef idx="minor">
+            <a:schemeClr val="lt1"/>
+          </a:fontRef>
+        </p:style>
+        <p:txBody>
+          <a:bodyPr wrap="square" rtlCol="0" anchor="ctr">
+            <a:noAutofit/>
+          </a:bodyPr>
+          <a:lstStyle/>
+          <a:p>
+            <a:pPr algn="ctr"/>
+            <a:endParaRPr lang="zh-CN" altLang="en-US" sz="4400" dirty="0"/>
+          </a:p>
+        </p:txBody>
+      </p:sp>
+    </p:spTree>
+    <p:extLst>
+      <p:ext uri="{BB962C8B-B14F-4D97-AF65-F5344CB8AC3E}">
+        <p14:creationId xmlns:p14="http://schemas.microsoft.com/office/powerpoint/2010/main" val="3396093011"/>
+      </p:ext>
+    </p:extLst>
+  </p:cSld>
+  <p:clrMapOvr>
+    <a:masterClrMapping/>
+  </p:clrMapOvr>
+</p:sld>
+</file>
+
+<file path=ppt/slides/slide12.xml><?xml version="1.0" encoding="utf-8"?>
+<p:sld xmlns:a="http://schemas.openxmlformats.org/drawingml/2006/main" xmlns:r="http://schemas.openxmlformats.org/officeDocument/2006/relationships" xmlns:p="http://schemas.openxmlformats.org/presentationml/2006/main">
+  <p:cSld>
+    <p:spTree>
+      <p:nvGrpSpPr>
+        <p:cNvPr id="1" name=""/>
+        <p:cNvGrpSpPr/>
+        <p:nvPr/>
+      </p:nvGrpSpPr>
+      <p:grpSpPr>
+        <a:xfrm>
+          <a:off x="0" y="0"/>
+          <a:ext cx="0" cy="0"/>
+          <a:chOff x="0" y="0"/>
+          <a:chExt cx="0" cy="0"/>
+        </a:xfrm>
+      </p:grpSpPr>
       <p:grpSp>
         <p:nvGrpSpPr>
           <p:cNvPr id="26" name="组合 25">
@@ -1971,7 +2257,7 @@
 </p:sld>
 </file>
 
-<file path=ppt/slides/slide11.xml><?xml version="1.0" encoding="utf-8"?>
+<file path=ppt/slides/slide13.xml><?xml version="1.0" encoding="utf-8"?>
 <p:sld xmlns:a="http://schemas.openxmlformats.org/drawingml/2006/main" xmlns:r="http://schemas.openxmlformats.org/officeDocument/2006/relationships" xmlns:p="http://schemas.openxmlformats.org/presentationml/2006/main">
   <p:cSld>
     <p:spTree>
@@ -2343,7 +2629,7 @@
 </p:sld>
 </file>
 
-<file path=ppt/slides/slide12.xml><?xml version="1.0" encoding="utf-8"?>
+<file path=ppt/slides/slide14.xml><?xml version="1.0" encoding="utf-8"?>
 <p:sld xmlns:a="http://schemas.openxmlformats.org/drawingml/2006/main" xmlns:r="http://schemas.openxmlformats.org/officeDocument/2006/relationships" xmlns:p="http://schemas.openxmlformats.org/presentationml/2006/main">
   <p:cSld>
     <p:spTree>
@@ -3027,7 +3313,7 @@
 </p:sld>
 </file>
 
-<file path=ppt/slides/slide13.xml><?xml version="1.0" encoding="utf-8"?>
+<file path=ppt/slides/slide15.xml><?xml version="1.0" encoding="utf-8"?>
 <p:sld xmlns:a="http://schemas.openxmlformats.org/drawingml/2006/main" xmlns:r="http://schemas.openxmlformats.org/officeDocument/2006/relationships" xmlns:p="http://schemas.openxmlformats.org/presentationml/2006/main">
   <p:cSld>
     <p:spTree>
@@ -4828,7 +5114,7 @@
 </p:sld>
 </file>
 
-<file path=ppt/slides/slide14.xml><?xml version="1.0" encoding="utf-8"?>
+<file path=ppt/slides/slide16.xml><?xml version="1.0" encoding="utf-8"?>
 <p:sld xmlns:a="http://schemas.openxmlformats.org/drawingml/2006/main" xmlns:r="http://schemas.openxmlformats.org/officeDocument/2006/relationships" xmlns:p="http://schemas.openxmlformats.org/presentationml/2006/main">
   <p:cSld>
     <p:spTree>
@@ -12943,7 +13229,7 @@
 </p:sld>
 </file>
 
-<file path=ppt/slides/slide15.xml><?xml version="1.0" encoding="utf-8"?>
+<file path=ppt/slides/slide17.xml><?xml version="1.0" encoding="utf-8"?>
 <p:sld xmlns:a="http://schemas.openxmlformats.org/drawingml/2006/main" xmlns:r="http://schemas.openxmlformats.org/officeDocument/2006/relationships" xmlns:p="http://schemas.openxmlformats.org/presentationml/2006/main">
   <p:cSld>
     <p:spTree>
@@ -19874,7 +20160,7 @@
 </p:sld>
 </file>
 
-<file path=ppt/slides/slide16.xml><?xml version="1.0" encoding="utf-8"?>
+<file path=ppt/slides/slide18.xml><?xml version="1.0" encoding="utf-8"?>
 <p:sld xmlns:a="http://schemas.openxmlformats.org/drawingml/2006/main" xmlns:r="http://schemas.openxmlformats.org/officeDocument/2006/relationships" xmlns:p="http://schemas.openxmlformats.org/presentationml/2006/main">
   <p:cSld>
     <p:spTree>
@@ -20117,7 +20403,7 @@
 </p:sld>
 </file>
 
-<file path=ppt/slides/slide17.xml><?xml version="1.0" encoding="utf-8"?>
+<file path=ppt/slides/slide19.xml><?xml version="1.0" encoding="utf-8"?>
 <p:sld xmlns:a="http://schemas.openxmlformats.org/drawingml/2006/main" xmlns:r="http://schemas.openxmlformats.org/officeDocument/2006/relationships" xmlns:p="http://schemas.openxmlformats.org/presentationml/2006/main">
   <p:cSld>
     <p:spTree>
@@ -36853,45 +37139,6 @@
             </a:p>
           </p:txBody>
         </p:sp>
-        <p:pic>
-          <p:nvPicPr>
-            <p:cNvPr id="12" name="图片 11" descr="图标&#10;&#10;中度可信度描述已自动生成">
-              <a:extLst>
-                <a:ext uri="{FF2B5EF4-FFF2-40B4-BE49-F238E27FC236}">
-                  <a16:creationId xmlns:a16="http://schemas.microsoft.com/office/drawing/2014/main" id="{E6D8FCF2-56F3-989D-E889-439BE5C39122}"/>
-                </a:ext>
-              </a:extLst>
-            </p:cNvPr>
-            <p:cNvPicPr>
-              <a:picLocks noChangeAspect="1"/>
-            </p:cNvPicPr>
-            <p:nvPr/>
-          </p:nvPicPr>
-          <p:blipFill>
-            <a:blip>
-              <a:extLst>
-                <a:ext uri="{28A0092B-C50C-407E-A947-70E740481C1C}">
-                  <a14:useLocalDpi xmlns:a14="http://schemas.microsoft.com/office/drawing/2010/main" val="0"/>
-                </a:ext>
-              </a:extLst>
-            </a:blip>
-            <a:stretch>
-              <a:fillRect/>
-            </a:stretch>
-          </p:blipFill>
-          <p:spPr>
-            <a:xfrm>
-              <a:off x="267932" y="305907"/>
-              <a:ext cx="324000" cy="324000"/>
-            </a:xfrm>
-            <a:prstGeom prst="rect">
-              <a:avLst/>
-            </a:prstGeom>
-            <a:effectLst>
-              <a:softEdge rad="2540"/>
-            </a:effectLst>
-          </p:spPr>
-        </p:pic>
       </p:grpSp>
     </p:spTree>
     <p:extLst>
@@ -36907,6 +37154,2076 @@
 </file>
 
 <file path=ppt/slides/slide8.xml><?xml version="1.0" encoding="utf-8"?>
+<p:sld xmlns:a="http://schemas.openxmlformats.org/drawingml/2006/main" xmlns:r="http://schemas.openxmlformats.org/officeDocument/2006/relationships" xmlns:p="http://schemas.openxmlformats.org/presentationml/2006/main">
+  <p:cSld>
+    <p:spTree>
+      <p:nvGrpSpPr>
+        <p:cNvPr id="1" name=""/>
+        <p:cNvGrpSpPr/>
+        <p:nvPr/>
+      </p:nvGrpSpPr>
+      <p:grpSpPr>
+        <a:xfrm>
+          <a:off x="0" y="0"/>
+          <a:ext cx="0" cy="0"/>
+          <a:chOff x="0" y="0"/>
+          <a:chExt cx="0" cy="0"/>
+        </a:xfrm>
+      </p:grpSpPr>
+      <p:grpSp>
+        <p:nvGrpSpPr>
+          <p:cNvPr id="3" name="2级件：*须弥神之眼底框">
+            <a:extLst>
+              <a:ext uri="{FF2B5EF4-FFF2-40B4-BE49-F238E27FC236}">
+                <a16:creationId xmlns:a16="http://schemas.microsoft.com/office/drawing/2014/main" id="{CC7D0590-8143-3B0B-F0A9-769D79450FD1}"/>
+              </a:ext>
+            </a:extLst>
+          </p:cNvPr>
+          <p:cNvGrpSpPr/>
+          <p:nvPr/>
+        </p:nvGrpSpPr>
+        <p:grpSpPr>
+          <a:xfrm>
+            <a:off x="141844" y="172833"/>
+            <a:ext cx="616309" cy="700454"/>
+            <a:chOff x="230928" y="573753"/>
+            <a:chExt cx="4026958" cy="4576765"/>
+          </a:xfrm>
+          <a:gradFill flip="none" rotWithShape="1">
+            <a:gsLst>
+              <a:gs pos="0">
+                <a:schemeClr val="accent3">
+                  <a:lumMod val="5000"/>
+                  <a:lumOff val="95000"/>
+                </a:schemeClr>
+              </a:gs>
+              <a:gs pos="74000">
+                <a:schemeClr val="accent3">
+                  <a:lumMod val="45000"/>
+                  <a:lumOff val="55000"/>
+                </a:schemeClr>
+              </a:gs>
+              <a:gs pos="83000">
+                <a:schemeClr val="accent3">
+                  <a:lumMod val="45000"/>
+                  <a:lumOff val="55000"/>
+                </a:schemeClr>
+              </a:gs>
+              <a:gs pos="100000">
+                <a:schemeClr val="accent3">
+                  <a:lumMod val="30000"/>
+                  <a:lumOff val="70000"/>
+                </a:schemeClr>
+              </a:gs>
+            </a:gsLst>
+            <a:lin ang="5400000" scaled="1"/>
+            <a:tileRect/>
+          </a:gradFill>
+          <a:effectLst>
+            <a:glow rad="25400">
+              <a:srgbClr val="D7D7D7">
+                <a:alpha val="10000"/>
+              </a:srgbClr>
+            </a:glow>
+            <a:outerShdw blurRad="12700" sx="80000" sy="80000" algn="ctr" rotWithShape="0">
+              <a:prstClr val="black">
+                <a:alpha val="20000"/>
+              </a:prstClr>
+            </a:outerShdw>
+          </a:effectLst>
+          <a:scene3d>
+            <a:camera prst="orthographicFront"/>
+            <a:lightRig rig="brightRoom" dir="t"/>
+          </a:scene3d>
+        </p:grpSpPr>
+        <p:sp>
+          <p:nvSpPr>
+            <p:cNvPr id="5" name="任意多边形: 形状 4">
+              <a:extLst>
+                <a:ext uri="{FF2B5EF4-FFF2-40B4-BE49-F238E27FC236}">
+                  <a16:creationId xmlns:a16="http://schemas.microsoft.com/office/drawing/2014/main" id="{9D6E886C-6920-F5FF-1015-54B5BE99D160}"/>
+                </a:ext>
+              </a:extLst>
+            </p:cNvPr>
+            <p:cNvSpPr>
+              <a:spLocks noChangeAspect="1"/>
+            </p:cNvSpPr>
+            <p:nvPr/>
+          </p:nvSpPr>
+          <p:spPr>
+            <a:xfrm>
+              <a:off x="230928" y="573753"/>
+              <a:ext cx="4026958" cy="4576765"/>
+            </a:xfrm>
+            <a:custGeom>
+              <a:avLst/>
+              <a:gdLst>
+                <a:gd name="connsiteX0" fmla="*/ 2013480 w 4026958"/>
+                <a:gd name="connsiteY0" fmla="*/ 4004008 h 4576766"/>
+                <a:gd name="connsiteX1" fmla="*/ 1923480 w 4026958"/>
+                <a:gd name="connsiteY1" fmla="*/ 4184008 h 4576766"/>
+                <a:gd name="connsiteX2" fmla="*/ 2013480 w 4026958"/>
+                <a:gd name="connsiteY2" fmla="*/ 4304008 h 4576766"/>
+                <a:gd name="connsiteX3" fmla="*/ 2103480 w 4026958"/>
+                <a:gd name="connsiteY3" fmla="*/ 4184008 h 4576766"/>
+                <a:gd name="connsiteX4" fmla="*/ 2602857 w 4026958"/>
+                <a:gd name="connsiteY4" fmla="*/ 3880309 h 4576766"/>
+                <a:gd name="connsiteX5" fmla="*/ 2627313 w 4026958"/>
+                <a:gd name="connsiteY5" fmla="*/ 3900487 h 4576766"/>
+                <a:gd name="connsiteX6" fmla="*/ 2732754 w 4026958"/>
+                <a:gd name="connsiteY6" fmla="*/ 4155045 h 4576766"/>
+                <a:gd name="connsiteX7" fmla="*/ 2704463 w 4026958"/>
+                <a:gd name="connsiteY7" fmla="*/ 4295174 h 4576766"/>
+                <a:gd name="connsiteX8" fmla="*/ 2673151 w 4026958"/>
+                <a:gd name="connsiteY8" fmla="*/ 4352862 h 4576766"/>
+                <a:gd name="connsiteX9" fmla="*/ 2639091 w 4026958"/>
+                <a:gd name="connsiteY9" fmla="*/ 4356295 h 4576766"/>
+                <a:gd name="connsiteX10" fmla="*/ 2331209 w 4026958"/>
+                <a:gd name="connsiteY10" fmla="*/ 4182969 h 4576766"/>
+                <a:gd name="connsiteX11" fmla="*/ 2321542 w 4026958"/>
+                <a:gd name="connsiteY11" fmla="*/ 4158346 h 4576766"/>
+                <a:gd name="connsiteX12" fmla="*/ 2344399 w 4026958"/>
+                <a:gd name="connsiteY12" fmla="*/ 4141103 h 4576766"/>
+                <a:gd name="connsiteX13" fmla="*/ 2395466 w 4026958"/>
+                <a:gd name="connsiteY13" fmla="*/ 4112796 h 4576766"/>
+                <a:gd name="connsiteX14" fmla="*/ 2455972 w 4026958"/>
+                <a:gd name="connsiteY14" fmla="*/ 4085285 h 4576766"/>
+                <a:gd name="connsiteX15" fmla="*/ 2527639 w 4026958"/>
+                <a:gd name="connsiteY15" fmla="*/ 4105246 h 4576766"/>
+                <a:gd name="connsiteX16" fmla="*/ 2553504 w 4026958"/>
+                <a:gd name="connsiteY16" fmla="*/ 4141719 h 4576766"/>
+                <a:gd name="connsiteX17" fmla="*/ 2555205 w 4026958"/>
+                <a:gd name="connsiteY17" fmla="*/ 4170911 h 4576766"/>
+                <a:gd name="connsiteX18" fmla="*/ 2515965 w 4026958"/>
+                <a:gd name="connsiteY18" fmla="*/ 4212625 h 4576766"/>
+                <a:gd name="connsiteX19" fmla="*/ 2505154 w 4026958"/>
+                <a:gd name="connsiteY19" fmla="*/ 4229290 h 4576766"/>
+                <a:gd name="connsiteX20" fmla="*/ 2505970 w 4026958"/>
+                <a:gd name="connsiteY20" fmla="*/ 4235745 h 4576766"/>
+                <a:gd name="connsiteX21" fmla="*/ 2531969 w 4026958"/>
+                <a:gd name="connsiteY21" fmla="*/ 4241799 h 4576766"/>
+                <a:gd name="connsiteX22" fmla="*/ 2580937 w 4026958"/>
+                <a:gd name="connsiteY22" fmla="*/ 4215745 h 4576766"/>
+                <a:gd name="connsiteX23" fmla="*/ 2599576 w 4026958"/>
+                <a:gd name="connsiteY23" fmla="*/ 4183984 h 4576766"/>
+                <a:gd name="connsiteX24" fmla="*/ 2553915 w 4026958"/>
+                <a:gd name="connsiteY24" fmla="*/ 4078879 h 4576766"/>
+                <a:gd name="connsiteX25" fmla="*/ 2470175 w 4026958"/>
+                <a:gd name="connsiteY25" fmla="*/ 4045144 h 4576766"/>
+                <a:gd name="connsiteX26" fmla="*/ 2374658 w 4026958"/>
+                <a:gd name="connsiteY26" fmla="*/ 4075486 h 4576766"/>
+                <a:gd name="connsiteX27" fmla="*/ 2307456 w 4026958"/>
+                <a:gd name="connsiteY27" fmla="*/ 4122466 h 4576766"/>
+                <a:gd name="connsiteX28" fmla="*/ 2286405 w 4026958"/>
+                <a:gd name="connsiteY28" fmla="*/ 4068848 h 4576766"/>
+                <a:gd name="connsiteX29" fmla="*/ 2279582 w 4026958"/>
+                <a:gd name="connsiteY29" fmla="*/ 4001166 h 4576766"/>
+                <a:gd name="connsiteX30" fmla="*/ 2314677 w 4026958"/>
+                <a:gd name="connsiteY30" fmla="*/ 4012060 h 4576766"/>
+                <a:gd name="connsiteX31" fmla="*/ 2369092 w 4026958"/>
+                <a:gd name="connsiteY31" fmla="*/ 4017545 h 4576766"/>
+                <a:gd name="connsiteX32" fmla="*/ 2592980 w 4026958"/>
+                <a:gd name="connsiteY32" fmla="*/ 3898505 h 4576766"/>
+                <a:gd name="connsiteX33" fmla="*/ 1424103 w 4026958"/>
+                <a:gd name="connsiteY33" fmla="*/ 3880309 h 4576766"/>
+                <a:gd name="connsiteX34" fmla="*/ 1433980 w 4026958"/>
+                <a:gd name="connsiteY34" fmla="*/ 3898505 h 4576766"/>
+                <a:gd name="connsiteX35" fmla="*/ 1657868 w 4026958"/>
+                <a:gd name="connsiteY35" fmla="*/ 4017545 h 4576766"/>
+                <a:gd name="connsiteX36" fmla="*/ 1712283 w 4026958"/>
+                <a:gd name="connsiteY36" fmla="*/ 4012060 h 4576766"/>
+                <a:gd name="connsiteX37" fmla="*/ 1747378 w 4026958"/>
+                <a:gd name="connsiteY37" fmla="*/ 4001166 h 4576766"/>
+                <a:gd name="connsiteX38" fmla="*/ 1740555 w 4026958"/>
+                <a:gd name="connsiteY38" fmla="*/ 4068848 h 4576766"/>
+                <a:gd name="connsiteX39" fmla="*/ 1719505 w 4026958"/>
+                <a:gd name="connsiteY39" fmla="*/ 4122466 h 4576766"/>
+                <a:gd name="connsiteX40" fmla="*/ 1652302 w 4026958"/>
+                <a:gd name="connsiteY40" fmla="*/ 4075486 h 4576766"/>
+                <a:gd name="connsiteX41" fmla="*/ 1556785 w 4026958"/>
+                <a:gd name="connsiteY41" fmla="*/ 4045144 h 4576766"/>
+                <a:gd name="connsiteX42" fmla="*/ 1473045 w 4026958"/>
+                <a:gd name="connsiteY42" fmla="*/ 4078879 h 4576766"/>
+                <a:gd name="connsiteX43" fmla="*/ 1427384 w 4026958"/>
+                <a:gd name="connsiteY43" fmla="*/ 4183984 h 4576766"/>
+                <a:gd name="connsiteX44" fmla="*/ 1446023 w 4026958"/>
+                <a:gd name="connsiteY44" fmla="*/ 4215745 h 4576766"/>
+                <a:gd name="connsiteX45" fmla="*/ 1494991 w 4026958"/>
+                <a:gd name="connsiteY45" fmla="*/ 4241799 h 4576766"/>
+                <a:gd name="connsiteX46" fmla="*/ 1520991 w 4026958"/>
+                <a:gd name="connsiteY46" fmla="*/ 4235745 h 4576766"/>
+                <a:gd name="connsiteX47" fmla="*/ 1521806 w 4026958"/>
+                <a:gd name="connsiteY47" fmla="*/ 4229290 h 4576766"/>
+                <a:gd name="connsiteX48" fmla="*/ 1510996 w 4026958"/>
+                <a:gd name="connsiteY48" fmla="*/ 4212625 h 4576766"/>
+                <a:gd name="connsiteX49" fmla="*/ 1471755 w 4026958"/>
+                <a:gd name="connsiteY49" fmla="*/ 4170911 h 4576766"/>
+                <a:gd name="connsiteX50" fmla="*/ 1473456 w 4026958"/>
+                <a:gd name="connsiteY50" fmla="*/ 4141719 h 4576766"/>
+                <a:gd name="connsiteX51" fmla="*/ 1499321 w 4026958"/>
+                <a:gd name="connsiteY51" fmla="*/ 4105246 h 4576766"/>
+                <a:gd name="connsiteX52" fmla="*/ 1570989 w 4026958"/>
+                <a:gd name="connsiteY52" fmla="*/ 4085285 h 4576766"/>
+                <a:gd name="connsiteX53" fmla="*/ 1631494 w 4026958"/>
+                <a:gd name="connsiteY53" fmla="*/ 4112796 h 4576766"/>
+                <a:gd name="connsiteX54" fmla="*/ 1682561 w 4026958"/>
+                <a:gd name="connsiteY54" fmla="*/ 4141103 h 4576766"/>
+                <a:gd name="connsiteX55" fmla="*/ 1705418 w 4026958"/>
+                <a:gd name="connsiteY55" fmla="*/ 4158346 h 4576766"/>
+                <a:gd name="connsiteX56" fmla="*/ 1695751 w 4026958"/>
+                <a:gd name="connsiteY56" fmla="*/ 4182969 h 4576766"/>
+                <a:gd name="connsiteX57" fmla="*/ 1387869 w 4026958"/>
+                <a:gd name="connsiteY57" fmla="*/ 4356295 h 4576766"/>
+                <a:gd name="connsiteX58" fmla="*/ 1353809 w 4026958"/>
+                <a:gd name="connsiteY58" fmla="*/ 4352862 h 4576766"/>
+                <a:gd name="connsiteX59" fmla="*/ 1322497 w 4026958"/>
+                <a:gd name="connsiteY59" fmla="*/ 4295174 h 4576766"/>
+                <a:gd name="connsiteX60" fmla="*/ 1294206 w 4026958"/>
+                <a:gd name="connsiteY60" fmla="*/ 4155045 h 4576766"/>
+                <a:gd name="connsiteX61" fmla="*/ 1399647 w 4026958"/>
+                <a:gd name="connsiteY61" fmla="*/ 3900487 h 4576766"/>
+                <a:gd name="connsiteX62" fmla="*/ 1840680 w 4026958"/>
+                <a:gd name="connsiteY62" fmla="*/ 3812479 h 4576766"/>
+                <a:gd name="connsiteX63" fmla="*/ 2013480 w 4026958"/>
+                <a:gd name="connsiteY63" fmla="*/ 3956479 h 4576766"/>
+                <a:gd name="connsiteX64" fmla="*/ 2186280 w 4026958"/>
+                <a:gd name="connsiteY64" fmla="*/ 3812479 h 4576766"/>
+                <a:gd name="connsiteX65" fmla="*/ 3465490 w 4026958"/>
+                <a:gd name="connsiteY65" fmla="*/ 3063269 h 4576766"/>
+                <a:gd name="connsiteX66" fmla="*/ 3429619 w 4026958"/>
+                <a:gd name="connsiteY66" fmla="*/ 3067420 h 4576766"/>
+                <a:gd name="connsiteX67" fmla="*/ 3402831 w 4026958"/>
+                <a:gd name="connsiteY67" fmla="*/ 3088728 h 4576766"/>
+                <a:gd name="connsiteX68" fmla="*/ 3404453 w 4026958"/>
+                <a:gd name="connsiteY68" fmla="*/ 3097049 h 4576766"/>
+                <a:gd name="connsiteX69" fmla="*/ 3426168 w 4026958"/>
+                <a:gd name="connsiteY69" fmla="*/ 3110443 h 4576766"/>
+                <a:gd name="connsiteX70" fmla="*/ 3494558 w 4026958"/>
+                <a:gd name="connsiteY70" fmla="*/ 3137433 h 4576766"/>
+                <a:gd name="connsiteX71" fmla="*/ 3508561 w 4026958"/>
+                <a:gd name="connsiteY71" fmla="*/ 3172137 h 4576766"/>
+                <a:gd name="connsiteX72" fmla="*/ 3498820 w 4026958"/>
+                <a:gd name="connsiteY72" fmla="*/ 3228756 h 4576766"/>
+                <a:gd name="connsiteX73" fmla="*/ 3426981 w 4026958"/>
+                <a:gd name="connsiteY73" fmla="*/ 3291261 h 4576766"/>
+                <a:gd name="connsiteX74" fmla="*/ 3341543 w 4026958"/>
+                <a:gd name="connsiteY74" fmla="*/ 3291261 h 4576766"/>
+                <a:gd name="connsiteX75" fmla="*/ 3267065 w 4026958"/>
+                <a:gd name="connsiteY75" fmla="*/ 3286593 h 4576766"/>
+                <a:gd name="connsiteX76" fmla="*/ 3261179 w 4026958"/>
+                <a:gd name="connsiteY76" fmla="*/ 3250471 h 4576766"/>
+                <a:gd name="connsiteX77" fmla="*/ 3236015 w 4026958"/>
+                <a:gd name="connsiteY77" fmla="*/ 3163004 h 4576766"/>
+                <a:gd name="connsiteX78" fmla="*/ 3200095 w 4026958"/>
+                <a:gd name="connsiteY78" fmla="*/ 3169700 h 4576766"/>
+                <a:gd name="connsiteX79" fmla="*/ 3149969 w 4026958"/>
+                <a:gd name="connsiteY79" fmla="*/ 3259805 h 4576766"/>
+                <a:gd name="connsiteX80" fmla="*/ 3094567 w 4026958"/>
+                <a:gd name="connsiteY80" fmla="*/ 3324137 h 4576766"/>
+                <a:gd name="connsiteX81" fmla="*/ 3036527 w 4026958"/>
+                <a:gd name="connsiteY81" fmla="*/ 3390296 h 4576766"/>
+                <a:gd name="connsiteX82" fmla="*/ 2987821 w 4026958"/>
+                <a:gd name="connsiteY82" fmla="*/ 3444074 h 4576766"/>
+                <a:gd name="connsiteX83" fmla="*/ 2956974 w 4026958"/>
+                <a:gd name="connsiteY83" fmla="*/ 3480400 h 4576766"/>
+                <a:gd name="connsiteX84" fmla="*/ 2981530 w 4026958"/>
+                <a:gd name="connsiteY84" fmla="*/ 3498056 h 4576766"/>
+                <a:gd name="connsiteX85" fmla="*/ 3039367 w 4026958"/>
+                <a:gd name="connsiteY85" fmla="*/ 3469035 h 4576766"/>
+                <a:gd name="connsiteX86" fmla="*/ 3145505 w 4026958"/>
+                <a:gd name="connsiteY86" fmla="*/ 3402065 h 4576766"/>
+                <a:gd name="connsiteX87" fmla="*/ 3189136 w 4026958"/>
+                <a:gd name="connsiteY87" fmla="*/ 3363913 h 4576766"/>
+                <a:gd name="connsiteX88" fmla="*/ 3244133 w 4026958"/>
+                <a:gd name="connsiteY88" fmla="*/ 3318861 h 4576766"/>
+                <a:gd name="connsiteX89" fmla="*/ 3338905 w 4026958"/>
+                <a:gd name="connsiteY89" fmla="*/ 3348287 h 4576766"/>
+                <a:gd name="connsiteX90" fmla="*/ 3464727 w 4026958"/>
+                <a:gd name="connsiteY90" fmla="*/ 3331443 h 4576766"/>
+                <a:gd name="connsiteX91" fmla="*/ 3542858 w 4026958"/>
+                <a:gd name="connsiteY91" fmla="*/ 3246411 h 4576766"/>
+                <a:gd name="connsiteX92" fmla="*/ 3539814 w 4026958"/>
+                <a:gd name="connsiteY92" fmla="*/ 3098064 h 4576766"/>
+                <a:gd name="connsiteX93" fmla="*/ 3500647 w 4026958"/>
+                <a:gd name="connsiteY93" fmla="*/ 3071479 h 4576766"/>
+                <a:gd name="connsiteX94" fmla="*/ 3465490 w 4026958"/>
+                <a:gd name="connsiteY94" fmla="*/ 3063269 h 4576766"/>
+                <a:gd name="connsiteX95" fmla="*/ 561470 w 4026958"/>
+                <a:gd name="connsiteY95" fmla="*/ 3063269 h 4576766"/>
+                <a:gd name="connsiteX96" fmla="*/ 526313 w 4026958"/>
+                <a:gd name="connsiteY96" fmla="*/ 3071479 h 4576766"/>
+                <a:gd name="connsiteX97" fmla="*/ 487146 w 4026958"/>
+                <a:gd name="connsiteY97" fmla="*/ 3098064 h 4576766"/>
+                <a:gd name="connsiteX98" fmla="*/ 484103 w 4026958"/>
+                <a:gd name="connsiteY98" fmla="*/ 3246411 h 4576766"/>
+                <a:gd name="connsiteX99" fmla="*/ 562234 w 4026958"/>
+                <a:gd name="connsiteY99" fmla="*/ 3331443 h 4576766"/>
+                <a:gd name="connsiteX100" fmla="*/ 688056 w 4026958"/>
+                <a:gd name="connsiteY100" fmla="*/ 3348287 h 4576766"/>
+                <a:gd name="connsiteX101" fmla="*/ 782828 w 4026958"/>
+                <a:gd name="connsiteY101" fmla="*/ 3318861 h 4576766"/>
+                <a:gd name="connsiteX102" fmla="*/ 837824 w 4026958"/>
+                <a:gd name="connsiteY102" fmla="*/ 3363913 h 4576766"/>
+                <a:gd name="connsiteX103" fmla="*/ 881455 w 4026958"/>
+                <a:gd name="connsiteY103" fmla="*/ 3402065 h 4576766"/>
+                <a:gd name="connsiteX104" fmla="*/ 987593 w 4026958"/>
+                <a:gd name="connsiteY104" fmla="*/ 3469035 h 4576766"/>
+                <a:gd name="connsiteX105" fmla="*/ 1045430 w 4026958"/>
+                <a:gd name="connsiteY105" fmla="*/ 3498056 h 4576766"/>
+                <a:gd name="connsiteX106" fmla="*/ 1069986 w 4026958"/>
+                <a:gd name="connsiteY106" fmla="*/ 3480400 h 4576766"/>
+                <a:gd name="connsiteX107" fmla="*/ 1039139 w 4026958"/>
+                <a:gd name="connsiteY107" fmla="*/ 3444074 h 4576766"/>
+                <a:gd name="connsiteX108" fmla="*/ 990433 w 4026958"/>
+                <a:gd name="connsiteY108" fmla="*/ 3390296 h 4576766"/>
+                <a:gd name="connsiteX109" fmla="*/ 932393 w 4026958"/>
+                <a:gd name="connsiteY109" fmla="*/ 3324137 h 4576766"/>
+                <a:gd name="connsiteX110" fmla="*/ 876991 w 4026958"/>
+                <a:gd name="connsiteY110" fmla="*/ 3259805 h 4576766"/>
+                <a:gd name="connsiteX111" fmla="*/ 826865 w 4026958"/>
+                <a:gd name="connsiteY111" fmla="*/ 3169700 h 4576766"/>
+                <a:gd name="connsiteX112" fmla="*/ 790945 w 4026958"/>
+                <a:gd name="connsiteY112" fmla="*/ 3163004 h 4576766"/>
+                <a:gd name="connsiteX113" fmla="*/ 765781 w 4026958"/>
+                <a:gd name="connsiteY113" fmla="*/ 3250471 h 4576766"/>
+                <a:gd name="connsiteX114" fmla="*/ 759896 w 4026958"/>
+                <a:gd name="connsiteY114" fmla="*/ 3286593 h 4576766"/>
+                <a:gd name="connsiteX115" fmla="*/ 685417 w 4026958"/>
+                <a:gd name="connsiteY115" fmla="*/ 3291261 h 4576766"/>
+                <a:gd name="connsiteX116" fmla="*/ 599980 w 4026958"/>
+                <a:gd name="connsiteY116" fmla="*/ 3291261 h 4576766"/>
+                <a:gd name="connsiteX117" fmla="*/ 528140 w 4026958"/>
+                <a:gd name="connsiteY117" fmla="*/ 3228756 h 4576766"/>
+                <a:gd name="connsiteX118" fmla="*/ 518399 w 4026958"/>
+                <a:gd name="connsiteY118" fmla="*/ 3172137 h 4576766"/>
+                <a:gd name="connsiteX119" fmla="*/ 532402 w 4026958"/>
+                <a:gd name="connsiteY119" fmla="*/ 3137433 h 4576766"/>
+                <a:gd name="connsiteX120" fmla="*/ 600792 w 4026958"/>
+                <a:gd name="connsiteY120" fmla="*/ 3110443 h 4576766"/>
+                <a:gd name="connsiteX121" fmla="*/ 622507 w 4026958"/>
+                <a:gd name="connsiteY121" fmla="*/ 3097049 h 4576766"/>
+                <a:gd name="connsiteX122" fmla="*/ 624130 w 4026958"/>
+                <a:gd name="connsiteY122" fmla="*/ 3088728 h 4576766"/>
+                <a:gd name="connsiteX123" fmla="*/ 597341 w 4026958"/>
+                <a:gd name="connsiteY123" fmla="*/ 3067420 h 4576766"/>
+                <a:gd name="connsiteX124" fmla="*/ 561470 w 4026958"/>
+                <a:gd name="connsiteY124" fmla="*/ 3063269 h 4576766"/>
+                <a:gd name="connsiteX125" fmla="*/ 2001097 w 4026958"/>
+                <a:gd name="connsiteY125" fmla="*/ 809999 h 4576766"/>
+                <a:gd name="connsiteX126" fmla="*/ 1905651 w 4026958"/>
+                <a:gd name="connsiteY126" fmla="*/ 905445 h 4576766"/>
+                <a:gd name="connsiteX127" fmla="*/ 2013480 w 4026958"/>
+                <a:gd name="connsiteY127" fmla="*/ 900000 h 4576766"/>
+                <a:gd name="connsiteX128" fmla="*/ 2095226 w 4026958"/>
+                <a:gd name="connsiteY128" fmla="*/ 904128 h 4576766"/>
+                <a:gd name="connsiteX129" fmla="*/ 2013480 w 4026958"/>
+                <a:gd name="connsiteY129" fmla="*/ 384065 h 4576766"/>
+                <a:gd name="connsiteX130" fmla="*/ 1318566 w 4026958"/>
+                <a:gd name="connsiteY130" fmla="*/ 1078979 h 4576766"/>
+                <a:gd name="connsiteX131" fmla="*/ 1327091 w 4026958"/>
+                <a:gd name="connsiteY131" fmla="*/ 1073800 h 4576766"/>
+                <a:gd name="connsiteX132" fmla="*/ 1585268 w 4026958"/>
+                <a:gd name="connsiteY132" fmla="*/ 964740 h 4576766"/>
+                <a:gd name="connsiteX133" fmla="*/ 1622337 w 4026958"/>
+                <a:gd name="connsiteY133" fmla="*/ 955208 h 4576766"/>
+                <a:gd name="connsiteX134" fmla="*/ 2013480 w 4026958"/>
+                <a:gd name="connsiteY134" fmla="*/ 564065 h 4576766"/>
+                <a:gd name="connsiteX135" fmla="*/ 2404623 w 4026958"/>
+                <a:gd name="connsiteY135" fmla="*/ 955208 h 4576766"/>
+                <a:gd name="connsiteX136" fmla="*/ 2441692 w 4026958"/>
+                <a:gd name="connsiteY136" fmla="*/ 964740 h 4576766"/>
+                <a:gd name="connsiteX137" fmla="*/ 2699870 w 4026958"/>
+                <a:gd name="connsiteY137" fmla="*/ 1073800 h 4576766"/>
+                <a:gd name="connsiteX138" fmla="*/ 2708394 w 4026958"/>
+                <a:gd name="connsiteY138" fmla="*/ 1078979 h 4576766"/>
+                <a:gd name="connsiteX139" fmla="*/ 2013480 w 4026958"/>
+                <a:gd name="connsiteY139" fmla="*/ 0 h 4576766"/>
+                <a:gd name="connsiteX140" fmla="*/ 2876018 w 4026958"/>
+                <a:gd name="connsiteY140" fmla="*/ 931987 h 4576766"/>
+                <a:gd name="connsiteX141" fmla="*/ 3556179 w 4026958"/>
+                <a:gd name="connsiteY141" fmla="*/ 2223042 h 4576766"/>
+                <a:gd name="connsiteX142" fmla="*/ 3449172 w 4026958"/>
+                <a:gd name="connsiteY142" fmla="*/ 2793940 h 4576766"/>
+                <a:gd name="connsiteX143" fmla="*/ 3406895 w 4026958"/>
+                <a:gd name="connsiteY143" fmla="*/ 2889110 h 4576766"/>
+                <a:gd name="connsiteX144" fmla="*/ 3520608 w 4026958"/>
+                <a:gd name="connsiteY144" fmla="*/ 2889110 h 4576766"/>
+                <a:gd name="connsiteX145" fmla="*/ 3597819 w 4026958"/>
+                <a:gd name="connsiteY145" fmla="*/ 2825405 h 4576766"/>
+                <a:gd name="connsiteX146" fmla="*/ 4000378 w 4026958"/>
+                <a:gd name="connsiteY146" fmla="*/ 2702440 h 4576766"/>
+                <a:gd name="connsiteX147" fmla="*/ 4026958 w 4026958"/>
+                <a:gd name="connsiteY147" fmla="*/ 2703782 h 4576766"/>
+                <a:gd name="connsiteX148" fmla="*/ 4007578 w 4026958"/>
+                <a:gd name="connsiteY148" fmla="*/ 2744012 h 4576766"/>
+                <a:gd name="connsiteX149" fmla="*/ 2817241 w 4026958"/>
+                <a:gd name="connsiteY149" fmla="*/ 3920079 h 4576766"/>
+                <a:gd name="connsiteX150" fmla="*/ 2717533 w 4026958"/>
+                <a:gd name="connsiteY150" fmla="*/ 3967368 h 4576766"/>
+                <a:gd name="connsiteX151" fmla="*/ 2689281 w 4026958"/>
+                <a:gd name="connsiteY151" fmla="*/ 3830848 h 4576766"/>
+                <a:gd name="connsiteX152" fmla="*/ 2654761 w 4026958"/>
+                <a:gd name="connsiteY152" fmla="*/ 3725006 h 4576766"/>
+                <a:gd name="connsiteX153" fmla="*/ 2623940 w 4026958"/>
+                <a:gd name="connsiteY153" fmla="*/ 3651916 h 4576766"/>
+                <a:gd name="connsiteX154" fmla="*/ 2587893 w 4026958"/>
+                <a:gd name="connsiteY154" fmla="*/ 3668494 h 4576766"/>
+                <a:gd name="connsiteX155" fmla="*/ 2519559 w 4026958"/>
+                <a:gd name="connsiteY155" fmla="*/ 3690747 h 4576766"/>
+                <a:gd name="connsiteX156" fmla="*/ 2167261 w 4026958"/>
+                <a:gd name="connsiteY156" fmla="*/ 3984328 h 4576766"/>
+                <a:gd name="connsiteX157" fmla="*/ 2283480 w 4026958"/>
+                <a:gd name="connsiteY157" fmla="*/ 4216766 h 4576766"/>
+                <a:gd name="connsiteX158" fmla="*/ 2013480 w 4026958"/>
+                <a:gd name="connsiteY158" fmla="*/ 4576766 h 4576766"/>
+                <a:gd name="connsiteX159" fmla="*/ 1743480 w 4026958"/>
+                <a:gd name="connsiteY159" fmla="*/ 4216766 h 4576766"/>
+                <a:gd name="connsiteX160" fmla="*/ 1859699 w 4026958"/>
+                <a:gd name="connsiteY160" fmla="*/ 3984328 h 4576766"/>
+                <a:gd name="connsiteX161" fmla="*/ 1507402 w 4026958"/>
+                <a:gd name="connsiteY161" fmla="*/ 3690747 h 4576766"/>
+                <a:gd name="connsiteX162" fmla="*/ 1439067 w 4026958"/>
+                <a:gd name="connsiteY162" fmla="*/ 3668494 h 4576766"/>
+                <a:gd name="connsiteX163" fmla="*/ 1403019 w 4026958"/>
+                <a:gd name="connsiteY163" fmla="*/ 3651916 h 4576766"/>
+                <a:gd name="connsiteX164" fmla="*/ 1372198 w 4026958"/>
+                <a:gd name="connsiteY164" fmla="*/ 3725006 h 4576766"/>
+                <a:gd name="connsiteX165" fmla="*/ 1337677 w 4026958"/>
+                <a:gd name="connsiteY165" fmla="*/ 3830848 h 4576766"/>
+                <a:gd name="connsiteX166" fmla="*/ 1309425 w 4026958"/>
+                <a:gd name="connsiteY166" fmla="*/ 3967368 h 4576766"/>
+                <a:gd name="connsiteX167" fmla="*/ 1209717 w 4026958"/>
+                <a:gd name="connsiteY167" fmla="*/ 3920079 h 4576766"/>
+                <a:gd name="connsiteX168" fmla="*/ 19380 w 4026958"/>
+                <a:gd name="connsiteY168" fmla="*/ 2744012 h 4576766"/>
+                <a:gd name="connsiteX169" fmla="*/ 0 w 4026958"/>
+                <a:gd name="connsiteY169" fmla="*/ 2703782 h 4576766"/>
+                <a:gd name="connsiteX170" fmla="*/ 26580 w 4026958"/>
+                <a:gd name="connsiteY170" fmla="*/ 2702440 h 4576766"/>
+                <a:gd name="connsiteX171" fmla="*/ 429139 w 4026958"/>
+                <a:gd name="connsiteY171" fmla="*/ 2825405 h 4576766"/>
+                <a:gd name="connsiteX172" fmla="*/ 506350 w 4026958"/>
+                <a:gd name="connsiteY172" fmla="*/ 2889110 h 4576766"/>
+                <a:gd name="connsiteX173" fmla="*/ 620065 w 4026958"/>
+                <a:gd name="connsiteY173" fmla="*/ 2889110 h 4576766"/>
+                <a:gd name="connsiteX174" fmla="*/ 577788 w 4026958"/>
+                <a:gd name="connsiteY174" fmla="*/ 2793940 h 4576766"/>
+                <a:gd name="connsiteX175" fmla="*/ 470781 w 4026958"/>
+                <a:gd name="connsiteY175" fmla="*/ 2223042 h 4576766"/>
+                <a:gd name="connsiteX176" fmla="*/ 1150942 w 4026958"/>
+                <a:gd name="connsiteY176" fmla="*/ 931987 h 4576766"/>
+              </a:gdLst>
+              <a:ahLst/>
+              <a:cxnLst>
+                <a:cxn ang="0">
+                  <a:pos x="connsiteX0" y="connsiteY0"/>
+                </a:cxn>
+                <a:cxn ang="0">
+                  <a:pos x="connsiteX1" y="connsiteY1"/>
+                </a:cxn>
+                <a:cxn ang="0">
+                  <a:pos x="connsiteX2" y="connsiteY2"/>
+                </a:cxn>
+                <a:cxn ang="0">
+                  <a:pos x="connsiteX3" y="connsiteY3"/>
+                </a:cxn>
+                <a:cxn ang="0">
+                  <a:pos x="connsiteX4" y="connsiteY4"/>
+                </a:cxn>
+                <a:cxn ang="0">
+                  <a:pos x="connsiteX5" y="connsiteY5"/>
+                </a:cxn>
+                <a:cxn ang="0">
+                  <a:pos x="connsiteX6" y="connsiteY6"/>
+                </a:cxn>
+                <a:cxn ang="0">
+                  <a:pos x="connsiteX7" y="connsiteY7"/>
+                </a:cxn>
+                <a:cxn ang="0">
+                  <a:pos x="connsiteX8" y="connsiteY8"/>
+                </a:cxn>
+                <a:cxn ang="0">
+                  <a:pos x="connsiteX9" y="connsiteY9"/>
+                </a:cxn>
+                <a:cxn ang="0">
+                  <a:pos x="connsiteX10" y="connsiteY10"/>
+                </a:cxn>
+                <a:cxn ang="0">
+                  <a:pos x="connsiteX11" y="connsiteY11"/>
+                </a:cxn>
+                <a:cxn ang="0">
+                  <a:pos x="connsiteX12" y="connsiteY12"/>
+                </a:cxn>
+                <a:cxn ang="0">
+                  <a:pos x="connsiteX13" y="connsiteY13"/>
+                </a:cxn>
+                <a:cxn ang="0">
+                  <a:pos x="connsiteX14" y="connsiteY14"/>
+                </a:cxn>
+                <a:cxn ang="0">
+                  <a:pos x="connsiteX15" y="connsiteY15"/>
+                </a:cxn>
+                <a:cxn ang="0">
+                  <a:pos x="connsiteX16" y="connsiteY16"/>
+                </a:cxn>
+                <a:cxn ang="0">
+                  <a:pos x="connsiteX17" y="connsiteY17"/>
+                </a:cxn>
+                <a:cxn ang="0">
+                  <a:pos x="connsiteX18" y="connsiteY18"/>
+                </a:cxn>
+                <a:cxn ang="0">
+                  <a:pos x="connsiteX19" y="connsiteY19"/>
+                </a:cxn>
+                <a:cxn ang="0">
+                  <a:pos x="connsiteX20" y="connsiteY20"/>
+                </a:cxn>
+                <a:cxn ang="0">
+                  <a:pos x="connsiteX21" y="connsiteY21"/>
+                </a:cxn>
+                <a:cxn ang="0">
+                  <a:pos x="connsiteX22" y="connsiteY22"/>
+                </a:cxn>
+                <a:cxn ang="0">
+                  <a:pos x="connsiteX23" y="connsiteY23"/>
+                </a:cxn>
+                <a:cxn ang="0">
+                  <a:pos x="connsiteX24" y="connsiteY24"/>
+                </a:cxn>
+                <a:cxn ang="0">
+                  <a:pos x="connsiteX25" y="connsiteY25"/>
+                </a:cxn>
+                <a:cxn ang="0">
+                  <a:pos x="connsiteX26" y="connsiteY26"/>
+                </a:cxn>
+                <a:cxn ang="0">
+                  <a:pos x="connsiteX27" y="connsiteY27"/>
+                </a:cxn>
+                <a:cxn ang="0">
+                  <a:pos x="connsiteX28" y="connsiteY28"/>
+                </a:cxn>
+                <a:cxn ang="0">
+                  <a:pos x="connsiteX29" y="connsiteY29"/>
+                </a:cxn>
+                <a:cxn ang="0">
+                  <a:pos x="connsiteX30" y="connsiteY30"/>
+                </a:cxn>
+                <a:cxn ang="0">
+                  <a:pos x="connsiteX31" y="connsiteY31"/>
+                </a:cxn>
+                <a:cxn ang="0">
+                  <a:pos x="connsiteX32" y="connsiteY32"/>
+                </a:cxn>
+                <a:cxn ang="0">
+                  <a:pos x="connsiteX33" y="connsiteY33"/>
+                </a:cxn>
+                <a:cxn ang="0">
+                  <a:pos x="connsiteX34" y="connsiteY34"/>
+                </a:cxn>
+                <a:cxn ang="0">
+                  <a:pos x="connsiteX35" y="connsiteY35"/>
+                </a:cxn>
+                <a:cxn ang="0">
+                  <a:pos x="connsiteX36" y="connsiteY36"/>
+                </a:cxn>
+                <a:cxn ang="0">
+                  <a:pos x="connsiteX37" y="connsiteY37"/>
+                </a:cxn>
+                <a:cxn ang="0">
+                  <a:pos x="connsiteX38" y="connsiteY38"/>
+                </a:cxn>
+                <a:cxn ang="0">
+                  <a:pos x="connsiteX39" y="connsiteY39"/>
+                </a:cxn>
+                <a:cxn ang="0">
+                  <a:pos x="connsiteX40" y="connsiteY40"/>
+                </a:cxn>
+                <a:cxn ang="0">
+                  <a:pos x="connsiteX41" y="connsiteY41"/>
+                </a:cxn>
+                <a:cxn ang="0">
+                  <a:pos x="connsiteX42" y="connsiteY42"/>
+                </a:cxn>
+                <a:cxn ang="0">
+                  <a:pos x="connsiteX43" y="connsiteY43"/>
+                </a:cxn>
+                <a:cxn ang="0">
+                  <a:pos x="connsiteX44" y="connsiteY44"/>
+                </a:cxn>
+                <a:cxn ang="0">
+                  <a:pos x="connsiteX45" y="connsiteY45"/>
+                </a:cxn>
+                <a:cxn ang="0">
+                  <a:pos x="connsiteX46" y="connsiteY46"/>
+                </a:cxn>
+                <a:cxn ang="0">
+                  <a:pos x="connsiteX47" y="connsiteY47"/>
+                </a:cxn>
+                <a:cxn ang="0">
+                  <a:pos x="connsiteX48" y="connsiteY48"/>
+                </a:cxn>
+                <a:cxn ang="0">
+                  <a:pos x="connsiteX49" y="connsiteY49"/>
+                </a:cxn>
+                <a:cxn ang="0">
+                  <a:pos x="connsiteX50" y="connsiteY50"/>
+                </a:cxn>
+                <a:cxn ang="0">
+                  <a:pos x="connsiteX51" y="connsiteY51"/>
+                </a:cxn>
+                <a:cxn ang="0">
+                  <a:pos x="connsiteX52" y="connsiteY52"/>
+                </a:cxn>
+                <a:cxn ang="0">
+                  <a:pos x="connsiteX53" y="connsiteY53"/>
+                </a:cxn>
+                <a:cxn ang="0">
+                  <a:pos x="connsiteX54" y="connsiteY54"/>
+                </a:cxn>
+                <a:cxn ang="0">
+                  <a:pos x="connsiteX55" y="connsiteY55"/>
+                </a:cxn>
+                <a:cxn ang="0">
+                  <a:pos x="connsiteX56" y="connsiteY56"/>
+                </a:cxn>
+                <a:cxn ang="0">
+                  <a:pos x="connsiteX57" y="connsiteY57"/>
+                </a:cxn>
+                <a:cxn ang="0">
+                  <a:pos x="connsiteX58" y="connsiteY58"/>
+                </a:cxn>
+                <a:cxn ang="0">
+                  <a:pos x="connsiteX59" y="connsiteY59"/>
+                </a:cxn>
+                <a:cxn ang="0">
+                  <a:pos x="connsiteX60" y="connsiteY60"/>
+                </a:cxn>
+                <a:cxn ang="0">
+                  <a:pos x="connsiteX61" y="connsiteY61"/>
+                </a:cxn>
+                <a:cxn ang="0">
+                  <a:pos x="connsiteX62" y="connsiteY62"/>
+                </a:cxn>
+                <a:cxn ang="0">
+                  <a:pos x="connsiteX63" y="connsiteY63"/>
+                </a:cxn>
+                <a:cxn ang="0">
+                  <a:pos x="connsiteX64" y="connsiteY64"/>
+                </a:cxn>
+                <a:cxn ang="0">
+                  <a:pos x="connsiteX65" y="connsiteY65"/>
+                </a:cxn>
+                <a:cxn ang="0">
+                  <a:pos x="connsiteX66" y="connsiteY66"/>
+                </a:cxn>
+                <a:cxn ang="0">
+                  <a:pos x="connsiteX67" y="connsiteY67"/>
+                </a:cxn>
+                <a:cxn ang="0">
+                  <a:pos x="connsiteX68" y="connsiteY68"/>
+                </a:cxn>
+                <a:cxn ang="0">
+                  <a:pos x="connsiteX69" y="connsiteY69"/>
+                </a:cxn>
+                <a:cxn ang="0">
+                  <a:pos x="connsiteX70" y="connsiteY70"/>
+                </a:cxn>
+                <a:cxn ang="0">
+                  <a:pos x="connsiteX71" y="connsiteY71"/>
+                </a:cxn>
+                <a:cxn ang="0">
+                  <a:pos x="connsiteX72" y="connsiteY72"/>
+                </a:cxn>
+                <a:cxn ang="0">
+                  <a:pos x="connsiteX73" y="connsiteY73"/>
+                </a:cxn>
+                <a:cxn ang="0">
+                  <a:pos x="connsiteX74" y="connsiteY74"/>
+                </a:cxn>
+                <a:cxn ang="0">
+                  <a:pos x="connsiteX75" y="connsiteY75"/>
+                </a:cxn>
+                <a:cxn ang="0">
+                  <a:pos x="connsiteX76" y="connsiteY76"/>
+                </a:cxn>
+                <a:cxn ang="0">
+                  <a:pos x="connsiteX77" y="connsiteY77"/>
+                </a:cxn>
+                <a:cxn ang="0">
+                  <a:pos x="connsiteX78" y="connsiteY78"/>
+                </a:cxn>
+                <a:cxn ang="0">
+                  <a:pos x="connsiteX79" y="connsiteY79"/>
+                </a:cxn>
+                <a:cxn ang="0">
+                  <a:pos x="connsiteX80" y="connsiteY80"/>
+                </a:cxn>
+                <a:cxn ang="0">
+                  <a:pos x="connsiteX81" y="connsiteY81"/>
+                </a:cxn>
+                <a:cxn ang="0">
+                  <a:pos x="connsiteX82" y="connsiteY82"/>
+                </a:cxn>
+                <a:cxn ang="0">
+                  <a:pos x="connsiteX83" y="connsiteY83"/>
+                </a:cxn>
+                <a:cxn ang="0">
+                  <a:pos x="connsiteX84" y="connsiteY84"/>
+                </a:cxn>
+                <a:cxn ang="0">
+                  <a:pos x="connsiteX85" y="connsiteY85"/>
+                </a:cxn>
+                <a:cxn ang="0">
+                  <a:pos x="connsiteX86" y="connsiteY86"/>
+                </a:cxn>
+                <a:cxn ang="0">
+                  <a:pos x="connsiteX87" y="connsiteY87"/>
+                </a:cxn>
+                <a:cxn ang="0">
+                  <a:pos x="connsiteX88" y="connsiteY88"/>
+                </a:cxn>
+                <a:cxn ang="0">
+                  <a:pos x="connsiteX89" y="connsiteY89"/>
+                </a:cxn>
+                <a:cxn ang="0">
+                  <a:pos x="connsiteX90" y="connsiteY90"/>
+                </a:cxn>
+                <a:cxn ang="0">
+                  <a:pos x="connsiteX91" y="connsiteY91"/>
+                </a:cxn>
+                <a:cxn ang="0">
+                  <a:pos x="connsiteX92" y="connsiteY92"/>
+                </a:cxn>
+                <a:cxn ang="0">
+                  <a:pos x="connsiteX93" y="connsiteY93"/>
+                </a:cxn>
+                <a:cxn ang="0">
+                  <a:pos x="connsiteX94" y="connsiteY94"/>
+                </a:cxn>
+                <a:cxn ang="0">
+                  <a:pos x="connsiteX95" y="connsiteY95"/>
+                </a:cxn>
+                <a:cxn ang="0">
+                  <a:pos x="connsiteX96" y="connsiteY96"/>
+                </a:cxn>
+                <a:cxn ang="0">
+                  <a:pos x="connsiteX97" y="connsiteY97"/>
+                </a:cxn>
+                <a:cxn ang="0">
+                  <a:pos x="connsiteX98" y="connsiteY98"/>
+                </a:cxn>
+                <a:cxn ang="0">
+                  <a:pos x="connsiteX99" y="connsiteY99"/>
+                </a:cxn>
+                <a:cxn ang="0">
+                  <a:pos x="connsiteX100" y="connsiteY100"/>
+                </a:cxn>
+                <a:cxn ang="0">
+                  <a:pos x="connsiteX101" y="connsiteY101"/>
+                </a:cxn>
+                <a:cxn ang="0">
+                  <a:pos x="connsiteX102" y="connsiteY102"/>
+                </a:cxn>
+                <a:cxn ang="0">
+                  <a:pos x="connsiteX103" y="connsiteY103"/>
+                </a:cxn>
+                <a:cxn ang="0">
+                  <a:pos x="connsiteX104" y="connsiteY104"/>
+                </a:cxn>
+                <a:cxn ang="0">
+                  <a:pos x="connsiteX105" y="connsiteY105"/>
+                </a:cxn>
+                <a:cxn ang="0">
+                  <a:pos x="connsiteX106" y="connsiteY106"/>
+                </a:cxn>
+                <a:cxn ang="0">
+                  <a:pos x="connsiteX107" y="connsiteY107"/>
+                </a:cxn>
+                <a:cxn ang="0">
+                  <a:pos x="connsiteX108" y="connsiteY108"/>
+                </a:cxn>
+                <a:cxn ang="0">
+                  <a:pos x="connsiteX109" y="connsiteY109"/>
+                </a:cxn>
+                <a:cxn ang="0">
+                  <a:pos x="connsiteX110" y="connsiteY110"/>
+                </a:cxn>
+                <a:cxn ang="0">
+                  <a:pos x="connsiteX111" y="connsiteY111"/>
+                </a:cxn>
+                <a:cxn ang="0">
+                  <a:pos x="connsiteX112" y="connsiteY112"/>
+                </a:cxn>
+                <a:cxn ang="0">
+                  <a:pos x="connsiteX113" y="connsiteY113"/>
+                </a:cxn>
+                <a:cxn ang="0">
+                  <a:pos x="connsiteX114" y="connsiteY114"/>
+                </a:cxn>
+                <a:cxn ang="0">
+                  <a:pos x="connsiteX115" y="connsiteY115"/>
+                </a:cxn>
+                <a:cxn ang="0">
+                  <a:pos x="connsiteX116" y="connsiteY116"/>
+                </a:cxn>
+                <a:cxn ang="0">
+                  <a:pos x="connsiteX117" y="connsiteY117"/>
+                </a:cxn>
+                <a:cxn ang="0">
+                  <a:pos x="connsiteX118" y="connsiteY118"/>
+                </a:cxn>
+                <a:cxn ang="0">
+                  <a:pos x="connsiteX119" y="connsiteY119"/>
+                </a:cxn>
+                <a:cxn ang="0">
+                  <a:pos x="connsiteX120" y="connsiteY120"/>
+                </a:cxn>
+                <a:cxn ang="0">
+                  <a:pos x="connsiteX121" y="connsiteY121"/>
+                </a:cxn>
+                <a:cxn ang="0">
+                  <a:pos x="connsiteX122" y="connsiteY122"/>
+                </a:cxn>
+                <a:cxn ang="0">
+                  <a:pos x="connsiteX123" y="connsiteY123"/>
+                </a:cxn>
+                <a:cxn ang="0">
+                  <a:pos x="connsiteX124" y="connsiteY124"/>
+                </a:cxn>
+                <a:cxn ang="0">
+                  <a:pos x="connsiteX125" y="connsiteY125"/>
+                </a:cxn>
+                <a:cxn ang="0">
+                  <a:pos x="connsiteX126" y="connsiteY126"/>
+                </a:cxn>
+                <a:cxn ang="0">
+                  <a:pos x="connsiteX127" y="connsiteY127"/>
+                </a:cxn>
+                <a:cxn ang="0">
+                  <a:pos x="connsiteX128" y="connsiteY128"/>
+                </a:cxn>
+                <a:cxn ang="0">
+                  <a:pos x="connsiteX129" y="connsiteY129"/>
+                </a:cxn>
+                <a:cxn ang="0">
+                  <a:pos x="connsiteX130" y="connsiteY130"/>
+                </a:cxn>
+                <a:cxn ang="0">
+                  <a:pos x="connsiteX131" y="connsiteY131"/>
+                </a:cxn>
+                <a:cxn ang="0">
+                  <a:pos x="connsiteX132" y="connsiteY132"/>
+                </a:cxn>
+                <a:cxn ang="0">
+                  <a:pos x="connsiteX133" y="connsiteY133"/>
+                </a:cxn>
+                <a:cxn ang="0">
+                  <a:pos x="connsiteX134" y="connsiteY134"/>
+                </a:cxn>
+                <a:cxn ang="0">
+                  <a:pos x="connsiteX135" y="connsiteY135"/>
+                </a:cxn>
+                <a:cxn ang="0">
+                  <a:pos x="connsiteX136" y="connsiteY136"/>
+                </a:cxn>
+                <a:cxn ang="0">
+                  <a:pos x="connsiteX137" y="connsiteY137"/>
+                </a:cxn>
+                <a:cxn ang="0">
+                  <a:pos x="connsiteX138" y="connsiteY138"/>
+                </a:cxn>
+                <a:cxn ang="0">
+                  <a:pos x="connsiteX139" y="connsiteY139"/>
+                </a:cxn>
+                <a:cxn ang="0">
+                  <a:pos x="connsiteX140" y="connsiteY140"/>
+                </a:cxn>
+                <a:cxn ang="0">
+                  <a:pos x="connsiteX141" y="connsiteY141"/>
+                </a:cxn>
+                <a:cxn ang="0">
+                  <a:pos x="connsiteX142" y="connsiteY142"/>
+                </a:cxn>
+                <a:cxn ang="0">
+                  <a:pos x="connsiteX143" y="connsiteY143"/>
+                </a:cxn>
+                <a:cxn ang="0">
+                  <a:pos x="connsiteX144" y="connsiteY144"/>
+                </a:cxn>
+                <a:cxn ang="0">
+                  <a:pos x="connsiteX145" y="connsiteY145"/>
+                </a:cxn>
+                <a:cxn ang="0">
+                  <a:pos x="connsiteX146" y="connsiteY146"/>
+                </a:cxn>
+                <a:cxn ang="0">
+                  <a:pos x="connsiteX147" y="connsiteY147"/>
+                </a:cxn>
+                <a:cxn ang="0">
+                  <a:pos x="connsiteX148" y="connsiteY148"/>
+                </a:cxn>
+                <a:cxn ang="0">
+                  <a:pos x="connsiteX149" y="connsiteY149"/>
+                </a:cxn>
+                <a:cxn ang="0">
+                  <a:pos x="connsiteX150" y="connsiteY150"/>
+                </a:cxn>
+                <a:cxn ang="0">
+                  <a:pos x="connsiteX151" y="connsiteY151"/>
+                </a:cxn>
+                <a:cxn ang="0">
+                  <a:pos x="connsiteX152" y="connsiteY152"/>
+                </a:cxn>
+                <a:cxn ang="0">
+                  <a:pos x="connsiteX153" y="connsiteY153"/>
+                </a:cxn>
+                <a:cxn ang="0">
+                  <a:pos x="connsiteX154" y="connsiteY154"/>
+                </a:cxn>
+                <a:cxn ang="0">
+                  <a:pos x="connsiteX155" y="connsiteY155"/>
+                </a:cxn>
+                <a:cxn ang="0">
+                  <a:pos x="connsiteX156" y="connsiteY156"/>
+                </a:cxn>
+                <a:cxn ang="0">
+                  <a:pos x="connsiteX157" y="connsiteY157"/>
+                </a:cxn>
+                <a:cxn ang="0">
+                  <a:pos x="connsiteX158" y="connsiteY158"/>
+                </a:cxn>
+                <a:cxn ang="0">
+                  <a:pos x="connsiteX159" y="connsiteY159"/>
+                </a:cxn>
+                <a:cxn ang="0">
+                  <a:pos x="connsiteX160" y="connsiteY160"/>
+                </a:cxn>
+                <a:cxn ang="0">
+                  <a:pos x="connsiteX161" y="connsiteY161"/>
+                </a:cxn>
+                <a:cxn ang="0">
+                  <a:pos x="connsiteX162" y="connsiteY162"/>
+                </a:cxn>
+                <a:cxn ang="0">
+                  <a:pos x="connsiteX163" y="connsiteY163"/>
+                </a:cxn>
+                <a:cxn ang="0">
+                  <a:pos x="connsiteX164" y="connsiteY164"/>
+                </a:cxn>
+                <a:cxn ang="0">
+                  <a:pos x="connsiteX165" y="connsiteY165"/>
+                </a:cxn>
+                <a:cxn ang="0">
+                  <a:pos x="connsiteX166" y="connsiteY166"/>
+                </a:cxn>
+                <a:cxn ang="0">
+                  <a:pos x="connsiteX167" y="connsiteY167"/>
+                </a:cxn>
+                <a:cxn ang="0">
+                  <a:pos x="connsiteX168" y="connsiteY168"/>
+                </a:cxn>
+                <a:cxn ang="0">
+                  <a:pos x="connsiteX169" y="connsiteY169"/>
+                </a:cxn>
+                <a:cxn ang="0">
+                  <a:pos x="connsiteX170" y="connsiteY170"/>
+                </a:cxn>
+                <a:cxn ang="0">
+                  <a:pos x="connsiteX171" y="connsiteY171"/>
+                </a:cxn>
+                <a:cxn ang="0">
+                  <a:pos x="connsiteX172" y="connsiteY172"/>
+                </a:cxn>
+                <a:cxn ang="0">
+                  <a:pos x="connsiteX173" y="connsiteY173"/>
+                </a:cxn>
+                <a:cxn ang="0">
+                  <a:pos x="connsiteX174" y="connsiteY174"/>
+                </a:cxn>
+                <a:cxn ang="0">
+                  <a:pos x="connsiteX175" y="connsiteY175"/>
+                </a:cxn>
+                <a:cxn ang="0">
+                  <a:pos x="connsiteX176" y="connsiteY176"/>
+                </a:cxn>
+              </a:cxnLst>
+              <a:rect l="l" t="t" r="r" b="b"/>
+              <a:pathLst>
+                <a:path w="4026958" h="4576766">
+                  <a:moveTo>
+                    <a:pt x="2013480" y="4004008"/>
+                  </a:moveTo>
+                  <a:lnTo>
+                    <a:pt x="1923480" y="4184008"/>
+                  </a:lnTo>
+                  <a:lnTo>
+                    <a:pt x="2013480" y="4304008"/>
+                  </a:lnTo>
+                  <a:lnTo>
+                    <a:pt x="2103480" y="4184008"/>
+                  </a:lnTo>
+                  <a:close/>
+                  <a:moveTo>
+                    <a:pt x="2602857" y="3880309"/>
+                  </a:moveTo>
+                  <a:lnTo>
+                    <a:pt x="2627313" y="3900487"/>
+                  </a:lnTo>
+                  <a:cubicBezTo>
+                    <a:pt x="2692460" y="3965634"/>
+                    <a:pt x="2732754" y="4055634"/>
+                    <a:pt x="2732754" y="4155045"/>
+                  </a:cubicBezTo>
+                  <a:cubicBezTo>
+                    <a:pt x="2732754" y="4204751"/>
+                    <a:pt x="2722680" y="4252104"/>
+                    <a:pt x="2704463" y="4295174"/>
+                  </a:cubicBezTo>
+                  <a:lnTo>
+                    <a:pt x="2673151" y="4352862"/>
+                  </a:lnTo>
+                  <a:lnTo>
+                    <a:pt x="2639091" y="4356295"/>
+                  </a:lnTo>
+                  <a:cubicBezTo>
+                    <a:pt x="2508614" y="4356295"/>
+                    <a:pt x="2394348" y="4286882"/>
+                    <a:pt x="2331209" y="4182969"/>
+                  </a:cubicBezTo>
+                  <a:lnTo>
+                    <a:pt x="2321542" y="4158346"/>
+                  </a:lnTo>
+                  <a:lnTo>
+                    <a:pt x="2344399" y="4141103"/>
+                  </a:lnTo>
+                  <a:cubicBezTo>
+                    <a:pt x="2360516" y="4130125"/>
+                    <a:pt x="2377619" y="4120635"/>
+                    <a:pt x="2395466" y="4112796"/>
+                  </a:cubicBezTo>
+                  <a:cubicBezTo>
+                    <a:pt x="2439357" y="4095332"/>
+                    <a:pt x="2435239" y="4087904"/>
+                    <a:pt x="2455972" y="4085285"/>
+                  </a:cubicBezTo>
+                  <a:cubicBezTo>
+                    <a:pt x="2481533" y="4082514"/>
+                    <a:pt x="2507189" y="4089646"/>
+                    <a:pt x="2527639" y="4105246"/>
+                  </a:cubicBezTo>
+                  <a:cubicBezTo>
+                    <a:pt x="2539756" y="4114505"/>
+                    <a:pt x="2548794" y="4127213"/>
+                    <a:pt x="2553504" y="4141719"/>
+                  </a:cubicBezTo>
+                  <a:cubicBezTo>
+                    <a:pt x="2557107" y="4151039"/>
+                    <a:pt x="2557698" y="4161236"/>
+                    <a:pt x="2555205" y="4170911"/>
+                  </a:cubicBezTo>
+                  <a:cubicBezTo>
+                    <a:pt x="2545999" y="4188009"/>
+                    <a:pt x="2532477" y="4202394"/>
+                    <a:pt x="2515965" y="4212625"/>
+                  </a:cubicBezTo>
+                  <a:cubicBezTo>
+                    <a:pt x="2510072" y="4216311"/>
+                    <a:pt x="2506113" y="4222412"/>
+                    <a:pt x="2505154" y="4229290"/>
+                  </a:cubicBezTo>
+                  <a:cubicBezTo>
+                    <a:pt x="2504735" y="4231468"/>
+                    <a:pt x="2505022" y="4233739"/>
+                    <a:pt x="2505970" y="4235745"/>
+                  </a:cubicBezTo>
+                  <a:cubicBezTo>
+                    <a:pt x="2510650" y="4244491"/>
+                    <a:pt x="2527078" y="4242417"/>
+                    <a:pt x="2531969" y="4241799"/>
+                  </a:cubicBezTo>
+                  <a:cubicBezTo>
+                    <a:pt x="2550784" y="4238966"/>
+                    <a:pt x="2568064" y="4229771"/>
+                    <a:pt x="2580937" y="4215745"/>
+                  </a:cubicBezTo>
+                  <a:cubicBezTo>
+                    <a:pt x="2589493" y="4206717"/>
+                    <a:pt x="2595869" y="4195857"/>
+                    <a:pt x="2599576" y="4183984"/>
+                  </a:cubicBezTo>
+                  <a:cubicBezTo>
+                    <a:pt x="2614744" y="4132594"/>
+                    <a:pt x="2555630" y="4081443"/>
+                    <a:pt x="2553915" y="4078879"/>
+                  </a:cubicBezTo>
+                  <a:cubicBezTo>
+                    <a:pt x="2530452" y="4058772"/>
+                    <a:pt x="2501038" y="4046908"/>
+                    <a:pt x="2470175" y="4045144"/>
+                  </a:cubicBezTo>
+                  <a:cubicBezTo>
+                    <a:pt x="2433936" y="4042963"/>
+                    <a:pt x="2408356" y="4057521"/>
+                    <a:pt x="2374658" y="4075486"/>
+                  </a:cubicBezTo>
+                  <a:lnTo>
+                    <a:pt x="2307456" y="4122466"/>
+                  </a:lnTo>
+                  <a:lnTo>
+                    <a:pt x="2286405" y="4068848"/>
+                  </a:lnTo>
+                  <a:lnTo>
+                    <a:pt x="2279582" y="4001166"/>
+                  </a:lnTo>
+                  <a:lnTo>
+                    <a:pt x="2314677" y="4012060"/>
+                  </a:lnTo>
+                  <a:cubicBezTo>
+                    <a:pt x="2332254" y="4015656"/>
+                    <a:pt x="2350452" y="4017545"/>
+                    <a:pt x="2369092" y="4017545"/>
+                  </a:cubicBezTo>
+                  <a:cubicBezTo>
+                    <a:pt x="2462290" y="4017545"/>
+                    <a:pt x="2544459" y="3970325"/>
+                    <a:pt x="2592980" y="3898505"/>
+                  </a:cubicBezTo>
+                  <a:close/>
+                  <a:moveTo>
+                    <a:pt x="1424103" y="3880309"/>
+                  </a:moveTo>
+                  <a:lnTo>
+                    <a:pt x="1433980" y="3898505"/>
+                  </a:lnTo>
+                  <a:cubicBezTo>
+                    <a:pt x="1482501" y="3970325"/>
+                    <a:pt x="1564670" y="4017545"/>
+                    <a:pt x="1657868" y="4017545"/>
+                  </a:cubicBezTo>
+                  <a:cubicBezTo>
+                    <a:pt x="1676508" y="4017545"/>
+                    <a:pt x="1694706" y="4015656"/>
+                    <a:pt x="1712283" y="4012060"/>
+                  </a:cubicBezTo>
+                  <a:lnTo>
+                    <a:pt x="1747378" y="4001166"/>
+                  </a:lnTo>
+                  <a:lnTo>
+                    <a:pt x="1740555" y="4068848"/>
+                  </a:lnTo>
+                  <a:lnTo>
+                    <a:pt x="1719505" y="4122466"/>
+                  </a:lnTo>
+                  <a:lnTo>
+                    <a:pt x="1652302" y="4075486"/>
+                  </a:lnTo>
+                  <a:cubicBezTo>
+                    <a:pt x="1618605" y="4057521"/>
+                    <a:pt x="1593024" y="4042963"/>
+                    <a:pt x="1556785" y="4045144"/>
+                  </a:cubicBezTo>
+                  <a:cubicBezTo>
+                    <a:pt x="1525922" y="4046908"/>
+                    <a:pt x="1496508" y="4058772"/>
+                    <a:pt x="1473045" y="4078879"/>
+                  </a:cubicBezTo>
+                  <a:cubicBezTo>
+                    <a:pt x="1471330" y="4081443"/>
+                    <a:pt x="1412216" y="4132594"/>
+                    <a:pt x="1427384" y="4183984"/>
+                  </a:cubicBezTo>
+                  <a:cubicBezTo>
+                    <a:pt x="1431091" y="4195857"/>
+                    <a:pt x="1437467" y="4206717"/>
+                    <a:pt x="1446023" y="4215745"/>
+                  </a:cubicBezTo>
+                  <a:cubicBezTo>
+                    <a:pt x="1458896" y="4229771"/>
+                    <a:pt x="1476176" y="4238966"/>
+                    <a:pt x="1494991" y="4241799"/>
+                  </a:cubicBezTo>
+                  <a:cubicBezTo>
+                    <a:pt x="1499882" y="4242417"/>
+                    <a:pt x="1516311" y="4244491"/>
+                    <a:pt x="1520991" y="4235745"/>
+                  </a:cubicBezTo>
+                  <a:cubicBezTo>
+                    <a:pt x="1521939" y="4233739"/>
+                    <a:pt x="1522225" y="4231468"/>
+                    <a:pt x="1521806" y="4229290"/>
+                  </a:cubicBezTo>
+                  <a:cubicBezTo>
+                    <a:pt x="1520847" y="4222412"/>
+                    <a:pt x="1516888" y="4216311"/>
+                    <a:pt x="1510996" y="4212625"/>
+                  </a:cubicBezTo>
+                  <a:cubicBezTo>
+                    <a:pt x="1494483" y="4202394"/>
+                    <a:pt x="1480961" y="4188009"/>
+                    <a:pt x="1471755" y="4170911"/>
+                  </a:cubicBezTo>
+                  <a:cubicBezTo>
+                    <a:pt x="1469262" y="4161236"/>
+                    <a:pt x="1469853" y="4151039"/>
+                    <a:pt x="1473456" y="4141719"/>
+                  </a:cubicBezTo>
+                  <a:cubicBezTo>
+                    <a:pt x="1478167" y="4127213"/>
+                    <a:pt x="1487204" y="4114505"/>
+                    <a:pt x="1499321" y="4105246"/>
+                  </a:cubicBezTo>
+                  <a:cubicBezTo>
+                    <a:pt x="1519771" y="4089646"/>
+                    <a:pt x="1545427" y="4082514"/>
+                    <a:pt x="1570989" y="4085285"/>
+                  </a:cubicBezTo>
+                  <a:cubicBezTo>
+                    <a:pt x="1591721" y="4087904"/>
+                    <a:pt x="1587604" y="4095332"/>
+                    <a:pt x="1631494" y="4112796"/>
+                  </a:cubicBezTo>
+                  <a:cubicBezTo>
+                    <a:pt x="1649341" y="4120635"/>
+                    <a:pt x="1666444" y="4130125"/>
+                    <a:pt x="1682561" y="4141103"/>
+                  </a:cubicBezTo>
+                  <a:lnTo>
+                    <a:pt x="1705418" y="4158346"/>
+                  </a:lnTo>
+                  <a:lnTo>
+                    <a:pt x="1695751" y="4182969"/>
+                  </a:lnTo>
+                  <a:cubicBezTo>
+                    <a:pt x="1632612" y="4286882"/>
+                    <a:pt x="1518347" y="4356295"/>
+                    <a:pt x="1387869" y="4356295"/>
+                  </a:cubicBezTo>
+                  <a:lnTo>
+                    <a:pt x="1353809" y="4352862"/>
+                  </a:lnTo>
+                  <a:lnTo>
+                    <a:pt x="1322497" y="4295174"/>
+                  </a:lnTo>
+                  <a:cubicBezTo>
+                    <a:pt x="1304280" y="4252104"/>
+                    <a:pt x="1294206" y="4204751"/>
+                    <a:pt x="1294206" y="4155045"/>
+                  </a:cubicBezTo>
+                  <a:cubicBezTo>
+                    <a:pt x="1294206" y="4055634"/>
+                    <a:pt x="1334500" y="3965634"/>
+                    <a:pt x="1399647" y="3900487"/>
+                  </a:cubicBezTo>
+                  <a:close/>
+                  <a:moveTo>
+                    <a:pt x="1840680" y="3812479"/>
+                  </a:moveTo>
+                  <a:lnTo>
+                    <a:pt x="2013480" y="3956479"/>
+                  </a:lnTo>
+                  <a:lnTo>
+                    <a:pt x="2186280" y="3812479"/>
+                  </a:lnTo>
+                  <a:close/>
+                  <a:moveTo>
+                    <a:pt x="3465490" y="3063269"/>
+                  </a:moveTo>
+                  <a:cubicBezTo>
+                    <a:pt x="3453474" y="3062584"/>
+                    <a:pt x="3441338" y="3063960"/>
+                    <a:pt x="3429619" y="3067420"/>
+                  </a:cubicBezTo>
+                  <a:cubicBezTo>
+                    <a:pt x="3423732" y="3069651"/>
+                    <a:pt x="3403642" y="3076349"/>
+                    <a:pt x="3402831" y="3088728"/>
+                  </a:cubicBezTo>
+                  <a:cubicBezTo>
+                    <a:pt x="3402567" y="3091589"/>
+                    <a:pt x="3403134" y="3094491"/>
+                    <a:pt x="3404453" y="3097049"/>
+                  </a:cubicBezTo>
+                  <a:cubicBezTo>
+                    <a:pt x="3409446" y="3104415"/>
+                    <a:pt x="3417340" y="3109286"/>
+                    <a:pt x="3426168" y="3110443"/>
+                  </a:cubicBezTo>
+                  <a:cubicBezTo>
+                    <a:pt x="3456204" y="3117546"/>
+                    <a:pt x="3480758" y="3123228"/>
+                    <a:pt x="3494558" y="3137433"/>
+                  </a:cubicBezTo>
+                  <a:cubicBezTo>
+                    <a:pt x="3502758" y="3147235"/>
+                    <a:pt x="3507648" y="3159391"/>
+                    <a:pt x="3508561" y="3172137"/>
+                  </a:cubicBezTo>
+                  <a:cubicBezTo>
+                    <a:pt x="3511138" y="3191557"/>
+                    <a:pt x="3507729" y="3211304"/>
+                    <a:pt x="3498820" y="3228756"/>
+                  </a:cubicBezTo>
+                  <a:cubicBezTo>
+                    <a:pt x="3483823" y="3258060"/>
+                    <a:pt x="3458090" y="3280445"/>
+                    <a:pt x="3426981" y="3291261"/>
+                  </a:cubicBezTo>
+                  <a:cubicBezTo>
+                    <a:pt x="3401410" y="3299175"/>
+                    <a:pt x="3402221" y="3288826"/>
+                    <a:pt x="3341543" y="3291261"/>
+                  </a:cubicBezTo>
+                  <a:cubicBezTo>
+                    <a:pt x="3298317" y="3293290"/>
+                    <a:pt x="3278429" y="3299581"/>
+                    <a:pt x="3267065" y="3286593"/>
+                  </a:cubicBezTo>
+                  <a:cubicBezTo>
+                    <a:pt x="3260977" y="3279897"/>
+                    <a:pt x="3262803" y="3273606"/>
+                    <a:pt x="3261179" y="3250471"/>
+                  </a:cubicBezTo>
+                  <a:cubicBezTo>
+                    <a:pt x="3258946" y="3215971"/>
+                    <a:pt x="3256512" y="3171933"/>
+                    <a:pt x="3236015" y="3163004"/>
+                  </a:cubicBezTo>
+                  <a:cubicBezTo>
+                    <a:pt x="3223636" y="3159797"/>
+                    <a:pt x="3210485" y="3162233"/>
+                    <a:pt x="3200095" y="3169700"/>
+                  </a:cubicBezTo>
+                  <a:cubicBezTo>
+                    <a:pt x="3171074" y="3186951"/>
+                    <a:pt x="3176554" y="3215564"/>
+                    <a:pt x="3149969" y="3259805"/>
+                  </a:cubicBezTo>
+                  <a:cubicBezTo>
+                    <a:pt x="3148548" y="3262038"/>
+                    <a:pt x="3129675" y="3282737"/>
+                    <a:pt x="3094567" y="3324137"/>
+                  </a:cubicBezTo>
+                  <a:cubicBezTo>
+                    <a:pt x="3045455" y="3380351"/>
+                    <a:pt x="3042818" y="3383395"/>
+                    <a:pt x="3036527" y="3390296"/>
+                  </a:cubicBezTo>
+                  <a:cubicBezTo>
+                    <a:pt x="3021205" y="3409026"/>
+                    <a:pt x="3004949" y="3426987"/>
+                    <a:pt x="2987821" y="3444074"/>
+                  </a:cubicBezTo>
+                  <a:cubicBezTo>
+                    <a:pt x="2968948" y="3460918"/>
+                    <a:pt x="2954945" y="3469644"/>
+                    <a:pt x="2956974" y="3480400"/>
+                  </a:cubicBezTo>
+                  <a:cubicBezTo>
+                    <a:pt x="2959004" y="3491155"/>
+                    <a:pt x="2970977" y="3496432"/>
+                    <a:pt x="2981530" y="3498056"/>
+                  </a:cubicBezTo>
+                  <a:cubicBezTo>
+                    <a:pt x="3001824" y="3501099"/>
+                    <a:pt x="3014812" y="3487300"/>
+                    <a:pt x="3039367" y="3469035"/>
+                  </a:cubicBezTo>
+                  <a:cubicBezTo>
+                    <a:pt x="3090914" y="3430477"/>
+                    <a:pt x="3097814" y="3440827"/>
+                    <a:pt x="3145505" y="3402065"/>
+                  </a:cubicBezTo>
+                  <a:cubicBezTo>
+                    <a:pt x="3160319" y="3389889"/>
+                    <a:pt x="3158695" y="3389686"/>
+                    <a:pt x="3189136" y="3363913"/>
+                  </a:cubicBezTo>
+                  <a:cubicBezTo>
+                    <a:pt x="3212068" y="3343619"/>
+                    <a:pt x="3231144" y="3329008"/>
+                    <a:pt x="3244133" y="3318861"/>
+                  </a:cubicBezTo>
+                  <a:cubicBezTo>
+                    <a:pt x="3273579" y="3334568"/>
+                    <a:pt x="3305745" y="3344553"/>
+                    <a:pt x="3338905" y="3348287"/>
+                  </a:cubicBezTo>
+                  <a:cubicBezTo>
+                    <a:pt x="3381562" y="3356283"/>
+                    <a:pt x="3425661" y="3350377"/>
+                    <a:pt x="3464727" y="3331443"/>
+                  </a:cubicBezTo>
+                  <a:cubicBezTo>
+                    <a:pt x="3499287" y="3312285"/>
+                    <a:pt x="3526704" y="3282454"/>
+                    <a:pt x="3542858" y="3246411"/>
+                  </a:cubicBezTo>
+                  <a:cubicBezTo>
+                    <a:pt x="3545292" y="3241338"/>
+                    <a:pt x="3585069" y="3149406"/>
+                    <a:pt x="3539814" y="3098064"/>
+                  </a:cubicBezTo>
+                  <a:cubicBezTo>
+                    <a:pt x="3528997" y="3086293"/>
+                    <a:pt x="3515583" y="3077201"/>
+                    <a:pt x="3500647" y="3071479"/>
+                  </a:cubicBezTo>
+                  <a:cubicBezTo>
+                    <a:pt x="3489404" y="3066699"/>
+                    <a:pt x="3477506" y="3063955"/>
+                    <a:pt x="3465490" y="3063269"/>
+                  </a:cubicBezTo>
+                  <a:close/>
+                  <a:moveTo>
+                    <a:pt x="561470" y="3063269"/>
+                  </a:moveTo>
+                  <a:cubicBezTo>
+                    <a:pt x="549454" y="3063955"/>
+                    <a:pt x="537556" y="3066699"/>
+                    <a:pt x="526313" y="3071479"/>
+                  </a:cubicBezTo>
+                  <a:cubicBezTo>
+                    <a:pt x="511377" y="3077201"/>
+                    <a:pt x="497963" y="3086293"/>
+                    <a:pt x="487146" y="3098064"/>
+                  </a:cubicBezTo>
+                  <a:cubicBezTo>
+                    <a:pt x="441891" y="3149406"/>
+                    <a:pt x="481668" y="3241338"/>
+                    <a:pt x="484103" y="3246411"/>
+                  </a:cubicBezTo>
+                  <a:cubicBezTo>
+                    <a:pt x="500256" y="3282454"/>
+                    <a:pt x="527673" y="3312285"/>
+                    <a:pt x="562234" y="3331443"/>
+                  </a:cubicBezTo>
+                  <a:cubicBezTo>
+                    <a:pt x="601299" y="3350377"/>
+                    <a:pt x="645398" y="3356283"/>
+                    <a:pt x="688056" y="3348287"/>
+                  </a:cubicBezTo>
+                  <a:cubicBezTo>
+                    <a:pt x="721215" y="3344553"/>
+                    <a:pt x="753382" y="3334568"/>
+                    <a:pt x="782828" y="3318861"/>
+                  </a:cubicBezTo>
+                  <a:cubicBezTo>
+                    <a:pt x="795816" y="3329008"/>
+                    <a:pt x="814892" y="3343619"/>
+                    <a:pt x="837824" y="3363913"/>
+                  </a:cubicBezTo>
+                  <a:cubicBezTo>
+                    <a:pt x="868265" y="3389686"/>
+                    <a:pt x="866642" y="3389889"/>
+                    <a:pt x="881455" y="3402065"/>
+                  </a:cubicBezTo>
+                  <a:cubicBezTo>
+                    <a:pt x="929147" y="3440827"/>
+                    <a:pt x="936046" y="3430477"/>
+                    <a:pt x="987593" y="3469035"/>
+                  </a:cubicBezTo>
+                  <a:cubicBezTo>
+                    <a:pt x="1012148" y="3487300"/>
+                    <a:pt x="1025136" y="3501099"/>
+                    <a:pt x="1045430" y="3498056"/>
+                  </a:cubicBezTo>
+                  <a:cubicBezTo>
+                    <a:pt x="1055984" y="3496432"/>
+                    <a:pt x="1067956" y="3491155"/>
+                    <a:pt x="1069986" y="3480400"/>
+                  </a:cubicBezTo>
+                  <a:cubicBezTo>
+                    <a:pt x="1072015" y="3469644"/>
+                    <a:pt x="1058012" y="3460918"/>
+                    <a:pt x="1039139" y="3444074"/>
+                  </a:cubicBezTo>
+                  <a:cubicBezTo>
+                    <a:pt x="1022011" y="3426987"/>
+                    <a:pt x="1005755" y="3409026"/>
+                    <a:pt x="990433" y="3390296"/>
+                  </a:cubicBezTo>
+                  <a:cubicBezTo>
+                    <a:pt x="984142" y="3383395"/>
+                    <a:pt x="981505" y="3380351"/>
+                    <a:pt x="932393" y="3324137"/>
+                  </a:cubicBezTo>
+                  <a:cubicBezTo>
+                    <a:pt x="897285" y="3282737"/>
+                    <a:pt x="878412" y="3262038"/>
+                    <a:pt x="876991" y="3259805"/>
+                  </a:cubicBezTo>
+                  <a:cubicBezTo>
+                    <a:pt x="850406" y="3215564"/>
+                    <a:pt x="855886" y="3186951"/>
+                    <a:pt x="826865" y="3169700"/>
+                  </a:cubicBezTo>
+                  <a:cubicBezTo>
+                    <a:pt x="816475" y="3162233"/>
+                    <a:pt x="803325" y="3159797"/>
+                    <a:pt x="790945" y="3163004"/>
+                  </a:cubicBezTo>
+                  <a:cubicBezTo>
+                    <a:pt x="770449" y="3171933"/>
+                    <a:pt x="768014" y="3215971"/>
+                    <a:pt x="765781" y="3250471"/>
+                  </a:cubicBezTo>
+                  <a:cubicBezTo>
+                    <a:pt x="764158" y="3273606"/>
+                    <a:pt x="765984" y="3279897"/>
+                    <a:pt x="759896" y="3286593"/>
+                  </a:cubicBezTo>
+                  <a:cubicBezTo>
+                    <a:pt x="748531" y="3299581"/>
+                    <a:pt x="728643" y="3293290"/>
+                    <a:pt x="685417" y="3291261"/>
+                  </a:cubicBezTo>
+                  <a:cubicBezTo>
+                    <a:pt x="624739" y="3288826"/>
+                    <a:pt x="625550" y="3299175"/>
+                    <a:pt x="599980" y="3291261"/>
+                  </a:cubicBezTo>
+                  <a:cubicBezTo>
+                    <a:pt x="568870" y="3280445"/>
+                    <a:pt x="543138" y="3258060"/>
+                    <a:pt x="528140" y="3228756"/>
+                  </a:cubicBezTo>
+                  <a:cubicBezTo>
+                    <a:pt x="519231" y="3211304"/>
+                    <a:pt x="515822" y="3191557"/>
+                    <a:pt x="518399" y="3172137"/>
+                  </a:cubicBezTo>
+                  <a:cubicBezTo>
+                    <a:pt x="519312" y="3159391"/>
+                    <a:pt x="524203" y="3147235"/>
+                    <a:pt x="532402" y="3137433"/>
+                  </a:cubicBezTo>
+                  <a:cubicBezTo>
+                    <a:pt x="546202" y="3123228"/>
+                    <a:pt x="570756" y="3117546"/>
+                    <a:pt x="600792" y="3110443"/>
+                  </a:cubicBezTo>
+                  <a:cubicBezTo>
+                    <a:pt x="609620" y="3109286"/>
+                    <a:pt x="617514" y="3104415"/>
+                    <a:pt x="622507" y="3097049"/>
+                  </a:cubicBezTo>
+                  <a:cubicBezTo>
+                    <a:pt x="623826" y="3094491"/>
+                    <a:pt x="624393" y="3091589"/>
+                    <a:pt x="624130" y="3088728"/>
+                  </a:cubicBezTo>
+                  <a:cubicBezTo>
+                    <a:pt x="623318" y="3076349"/>
+                    <a:pt x="603228" y="3069651"/>
+                    <a:pt x="597341" y="3067420"/>
+                  </a:cubicBezTo>
+                  <a:cubicBezTo>
+                    <a:pt x="585622" y="3063960"/>
+                    <a:pt x="573487" y="3062584"/>
+                    <a:pt x="561470" y="3063269"/>
+                  </a:cubicBezTo>
+                  <a:close/>
+                  <a:moveTo>
+                    <a:pt x="2001097" y="809999"/>
+                  </a:moveTo>
+                  <a:lnTo>
+                    <a:pt x="1905651" y="905445"/>
+                  </a:lnTo>
+                  <a:lnTo>
+                    <a:pt x="2013480" y="900000"/>
+                  </a:lnTo>
+                  <a:lnTo>
+                    <a:pt x="2095226" y="904128"/>
+                  </a:lnTo>
+                  <a:close/>
+                  <a:moveTo>
+                    <a:pt x="2013480" y="384065"/>
+                  </a:moveTo>
+                  <a:lnTo>
+                    <a:pt x="1318566" y="1078979"/>
+                  </a:lnTo>
+                  <a:lnTo>
+                    <a:pt x="1327091" y="1073800"/>
+                  </a:lnTo>
+                  <a:cubicBezTo>
+                    <a:pt x="1408706" y="1029464"/>
+                    <a:pt x="1495087" y="992789"/>
+                    <a:pt x="1585268" y="964740"/>
+                  </a:cubicBezTo>
+                  <a:lnTo>
+                    <a:pt x="1622337" y="955208"/>
+                  </a:lnTo>
+                  <a:lnTo>
+                    <a:pt x="2013480" y="564065"/>
+                  </a:lnTo>
+                  <a:lnTo>
+                    <a:pt x="2404623" y="955208"/>
+                  </a:lnTo>
+                  <a:lnTo>
+                    <a:pt x="2441692" y="964740"/>
+                  </a:lnTo>
+                  <a:cubicBezTo>
+                    <a:pt x="2531873" y="992789"/>
+                    <a:pt x="2618254" y="1029464"/>
+                    <a:pt x="2699870" y="1073800"/>
+                  </a:cubicBezTo>
+                  <a:lnTo>
+                    <a:pt x="2708394" y="1078979"/>
+                  </a:lnTo>
+                  <a:close/>
+                  <a:moveTo>
+                    <a:pt x="2013480" y="0"/>
+                  </a:moveTo>
+                  <a:lnTo>
+                    <a:pt x="2876018" y="931987"/>
+                  </a:lnTo>
+                  <a:cubicBezTo>
+                    <a:pt x="3286378" y="1211784"/>
+                    <a:pt x="3556179" y="1685614"/>
+                    <a:pt x="3556179" y="2223042"/>
+                  </a:cubicBezTo>
+                  <a:cubicBezTo>
+                    <a:pt x="3556179" y="2424578"/>
+                    <a:pt x="3518238" y="2617170"/>
+                    <a:pt x="3449172" y="2793940"/>
+                  </a:cubicBezTo>
+                  <a:lnTo>
+                    <a:pt x="3406895" y="2889110"/>
+                  </a:lnTo>
+                  <a:lnTo>
+                    <a:pt x="3520608" y="2889110"/>
+                  </a:lnTo>
+                  <a:lnTo>
+                    <a:pt x="3597819" y="2825405"/>
+                  </a:lnTo>
+                  <a:cubicBezTo>
+                    <a:pt x="3712732" y="2747771"/>
+                    <a:pt x="3851261" y="2702440"/>
+                    <a:pt x="4000378" y="2702440"/>
+                  </a:cubicBezTo>
+                  <a:lnTo>
+                    <a:pt x="4026958" y="2703782"/>
+                  </a:lnTo>
+                  <a:lnTo>
+                    <a:pt x="4007578" y="2744012"/>
+                  </a:lnTo>
+                  <a:cubicBezTo>
+                    <a:pt x="3736020" y="3243906"/>
+                    <a:pt x="3320760" y="3654409"/>
+                    <a:pt x="2817241" y="3920079"/>
+                  </a:cubicBezTo>
+                  <a:lnTo>
+                    <a:pt x="2717533" y="3967368"/>
+                  </a:lnTo>
+                  <a:lnTo>
+                    <a:pt x="2689281" y="3830848"/>
+                  </a:lnTo>
+                  <a:cubicBezTo>
+                    <a:pt x="2679034" y="3794508"/>
+                    <a:pt x="2667499" y="3759184"/>
+                    <a:pt x="2654761" y="3725006"/>
+                  </a:cubicBezTo>
+                  <a:lnTo>
+                    <a:pt x="2623940" y="3651916"/>
+                  </a:lnTo>
+                  <a:lnTo>
+                    <a:pt x="2587893" y="3668494"/>
+                  </a:lnTo>
+                  <a:lnTo>
+                    <a:pt x="2519559" y="3690747"/>
+                  </a:lnTo>
+                  <a:lnTo>
+                    <a:pt x="2167261" y="3984328"/>
+                  </a:lnTo>
+                  <a:lnTo>
+                    <a:pt x="2283480" y="4216766"/>
+                  </a:lnTo>
+                  <a:lnTo>
+                    <a:pt x="2013480" y="4576766"/>
+                  </a:lnTo>
+                  <a:lnTo>
+                    <a:pt x="1743480" y="4216766"/>
+                  </a:lnTo>
+                  <a:lnTo>
+                    <a:pt x="1859699" y="3984328"/>
+                  </a:lnTo>
+                  <a:lnTo>
+                    <a:pt x="1507402" y="3690747"/>
+                  </a:lnTo>
+                  <a:lnTo>
+                    <a:pt x="1439067" y="3668494"/>
+                  </a:lnTo>
+                  <a:lnTo>
+                    <a:pt x="1403019" y="3651916"/>
+                  </a:lnTo>
+                  <a:lnTo>
+                    <a:pt x="1372198" y="3725006"/>
+                  </a:lnTo>
+                  <a:cubicBezTo>
+                    <a:pt x="1359460" y="3759184"/>
+                    <a:pt x="1347924" y="3794508"/>
+                    <a:pt x="1337677" y="3830848"/>
+                  </a:cubicBezTo>
+                  <a:lnTo>
+                    <a:pt x="1309425" y="3967368"/>
+                  </a:lnTo>
+                  <a:lnTo>
+                    <a:pt x="1209717" y="3920079"/>
+                  </a:lnTo>
+                  <a:cubicBezTo>
+                    <a:pt x="706198" y="3654409"/>
+                    <a:pt x="290938" y="3243906"/>
+                    <a:pt x="19380" y="2744012"/>
+                  </a:cubicBezTo>
+                  <a:lnTo>
+                    <a:pt x="0" y="2703782"/>
+                  </a:lnTo>
+                  <a:lnTo>
+                    <a:pt x="26580" y="2702440"/>
+                  </a:lnTo>
+                  <a:cubicBezTo>
+                    <a:pt x="175697" y="2702440"/>
+                    <a:pt x="314226" y="2747771"/>
+                    <a:pt x="429139" y="2825405"/>
+                  </a:cubicBezTo>
+                  <a:lnTo>
+                    <a:pt x="506350" y="2889110"/>
+                  </a:lnTo>
+                  <a:lnTo>
+                    <a:pt x="620065" y="2889110"/>
+                  </a:lnTo>
+                  <a:lnTo>
+                    <a:pt x="577788" y="2793940"/>
+                  </a:lnTo>
+                  <a:cubicBezTo>
+                    <a:pt x="508722" y="2617170"/>
+                    <a:pt x="470781" y="2424578"/>
+                    <a:pt x="470781" y="2223042"/>
+                  </a:cubicBezTo>
+                  <a:cubicBezTo>
+                    <a:pt x="470781" y="1685614"/>
+                    <a:pt x="740582" y="1211784"/>
+                    <a:pt x="1150942" y="931987"/>
+                  </a:cubicBezTo>
+                  <a:close/>
+                </a:path>
+              </a:pathLst>
+            </a:custGeom>
+            <a:grpFill/>
+            <a:ln w="1270">
+              <a:noFill/>
+            </a:ln>
+            <a:effectLst>
+              <a:innerShdw blurRad="38100">
+                <a:prstClr val="black"/>
+              </a:innerShdw>
+            </a:effectLst>
+            <a:sp3d contourW="6350" prstMaterial="softEdge">
+              <a:bevelT w="2540" h="2540" prst="relaxedInset"/>
+              <a:contourClr>
+                <a:schemeClr val="bg1">
+                  <a:lumMod val="50000"/>
+                </a:schemeClr>
+              </a:contourClr>
+            </a:sp3d>
+          </p:spPr>
+          <p:style>
+            <a:lnRef idx="2">
+              <a:schemeClr val="accent1">
+                <a:shade val="50000"/>
+              </a:schemeClr>
+            </a:lnRef>
+            <a:fillRef idx="1">
+              <a:schemeClr val="accent1"/>
+            </a:fillRef>
+            <a:effectRef idx="0">
+              <a:schemeClr val="accent1"/>
+            </a:effectRef>
+            <a:fontRef idx="minor">
+              <a:schemeClr val="lt1"/>
+            </a:fontRef>
+          </p:style>
+          <p:txBody>
+            <a:bodyPr wrap="square" rtlCol="0" anchor="ctr">
+              <a:noAutofit/>
+            </a:bodyPr>
+            <a:lstStyle/>
+            <a:p>
+              <a:pPr algn="ctr"/>
+              <a:endParaRPr lang="zh-CN" altLang="en-US"/>
+            </a:p>
+          </p:txBody>
+        </p:sp>
+        <p:sp>
+          <p:nvSpPr>
+            <p:cNvPr id="6" name="椭圆 5">
+              <a:extLst>
+                <a:ext uri="{FF2B5EF4-FFF2-40B4-BE49-F238E27FC236}">
+                  <a16:creationId xmlns:a16="http://schemas.microsoft.com/office/drawing/2014/main" id="{EDB61462-84DE-6895-1EBB-0FC162855AB4}"/>
+                </a:ext>
+              </a:extLst>
+            </p:cNvPr>
+            <p:cNvSpPr>
+              <a:spLocks noChangeAspect="1"/>
+            </p:cNvSpPr>
+            <p:nvPr/>
+          </p:nvSpPr>
+          <p:spPr>
+            <a:xfrm>
+              <a:off x="804410" y="1473759"/>
+              <a:ext cx="2880001" cy="2879997"/>
+            </a:xfrm>
+            <a:prstGeom prst="ellipse">
+              <a:avLst/>
+            </a:prstGeom>
+            <a:grpFill/>
+            <a:ln w="1270">
+              <a:noFill/>
+            </a:ln>
+            <a:effectLst>
+              <a:innerShdw blurRad="38100">
+                <a:prstClr val="black"/>
+              </a:innerShdw>
+            </a:effectLst>
+            <a:sp3d contourW="6350" prstMaterial="softEdge">
+              <a:bevelT w="2540" h="2540" prst="relaxedInset"/>
+              <a:contourClr>
+                <a:schemeClr val="bg1">
+                  <a:lumMod val="50000"/>
+                </a:schemeClr>
+              </a:contourClr>
+            </a:sp3d>
+          </p:spPr>
+          <p:style>
+            <a:lnRef idx="2">
+              <a:schemeClr val="accent1">
+                <a:shade val="50000"/>
+              </a:schemeClr>
+            </a:lnRef>
+            <a:fillRef idx="1">
+              <a:schemeClr val="accent1"/>
+            </a:fillRef>
+            <a:effectRef idx="0">
+              <a:schemeClr val="accent1"/>
+            </a:effectRef>
+            <a:fontRef idx="minor">
+              <a:schemeClr val="lt1"/>
+            </a:fontRef>
+          </p:style>
+          <p:txBody>
+            <a:bodyPr wrap="square" rtlCol="0" anchor="ctr">
+              <a:noAutofit/>
+            </a:bodyPr>
+            <a:lstStyle/>
+            <a:p>
+              <a:pPr algn="ctr"/>
+              <a:endParaRPr lang="zh-CN" altLang="en-US"/>
+            </a:p>
+          </p:txBody>
+        </p:sp>
+      </p:grpSp>
+      <p:sp>
+        <p:nvSpPr>
+          <p:cNvPr id="4" name="任意多边形: 形状 3">
+            <a:extLst>
+              <a:ext uri="{FF2B5EF4-FFF2-40B4-BE49-F238E27FC236}">
+                <a16:creationId xmlns:a16="http://schemas.microsoft.com/office/drawing/2014/main" id="{BA39A242-5ABA-0FD1-3769-519A817B05E7}"/>
+              </a:ext>
+            </a:extLst>
+          </p:cNvPr>
+          <p:cNvSpPr/>
+          <p:nvPr/>
+        </p:nvSpPr>
+        <p:spPr>
+          <a:xfrm>
+            <a:off x="0" y="0"/>
+            <a:ext cx="900000" cy="1080000"/>
+          </a:xfrm>
+          <a:custGeom>
+            <a:avLst/>
+            <a:gdLst>
+              <a:gd name="connsiteX0" fmla="*/ 36000 w 900000"/>
+              <a:gd name="connsiteY0" fmla="*/ 90000 h 1080000"/>
+              <a:gd name="connsiteX1" fmla="*/ 36000 w 900000"/>
+              <a:gd name="connsiteY1" fmla="*/ 990000 h 1080000"/>
+              <a:gd name="connsiteX2" fmla="*/ 864000 w 900000"/>
+              <a:gd name="connsiteY2" fmla="*/ 990000 h 1080000"/>
+              <a:gd name="connsiteX3" fmla="*/ 864000 w 900000"/>
+              <a:gd name="connsiteY3" fmla="*/ 90000 h 1080000"/>
+              <a:gd name="connsiteX4" fmla="*/ 0 w 900000"/>
+              <a:gd name="connsiteY4" fmla="*/ 0 h 1080000"/>
+              <a:gd name="connsiteX5" fmla="*/ 900000 w 900000"/>
+              <a:gd name="connsiteY5" fmla="*/ 0 h 1080000"/>
+              <a:gd name="connsiteX6" fmla="*/ 900000 w 900000"/>
+              <a:gd name="connsiteY6" fmla="*/ 1080000 h 1080000"/>
+              <a:gd name="connsiteX7" fmla="*/ 0 w 900000"/>
+              <a:gd name="connsiteY7" fmla="*/ 1080000 h 1080000"/>
+            </a:gdLst>
+            <a:ahLst/>
+            <a:cxnLst>
+              <a:cxn ang="0">
+                <a:pos x="connsiteX0" y="connsiteY0"/>
+              </a:cxn>
+              <a:cxn ang="0">
+                <a:pos x="connsiteX1" y="connsiteY1"/>
+              </a:cxn>
+              <a:cxn ang="0">
+                <a:pos x="connsiteX2" y="connsiteY2"/>
+              </a:cxn>
+              <a:cxn ang="0">
+                <a:pos x="connsiteX3" y="connsiteY3"/>
+              </a:cxn>
+              <a:cxn ang="0">
+                <a:pos x="connsiteX4" y="connsiteY4"/>
+              </a:cxn>
+              <a:cxn ang="0">
+                <a:pos x="connsiteX5" y="connsiteY5"/>
+              </a:cxn>
+              <a:cxn ang="0">
+                <a:pos x="connsiteX6" y="connsiteY6"/>
+              </a:cxn>
+              <a:cxn ang="0">
+                <a:pos x="connsiteX7" y="connsiteY7"/>
+              </a:cxn>
+            </a:cxnLst>
+            <a:rect l="l" t="t" r="r" b="b"/>
+            <a:pathLst>
+              <a:path w="900000" h="1080000">
+                <a:moveTo>
+                  <a:pt x="36000" y="90000"/>
+                </a:moveTo>
+                <a:lnTo>
+                  <a:pt x="36000" y="990000"/>
+                </a:lnTo>
+                <a:lnTo>
+                  <a:pt x="864000" y="990000"/>
+                </a:lnTo>
+                <a:lnTo>
+                  <a:pt x="864000" y="90000"/>
+                </a:lnTo>
+                <a:close/>
+                <a:moveTo>
+                  <a:pt x="0" y="0"/>
+                </a:moveTo>
+                <a:lnTo>
+                  <a:pt x="900000" y="0"/>
+                </a:lnTo>
+                <a:lnTo>
+                  <a:pt x="900000" y="1080000"/>
+                </a:lnTo>
+                <a:lnTo>
+                  <a:pt x="0" y="1080000"/>
+                </a:lnTo>
+                <a:close/>
+              </a:path>
+            </a:pathLst>
+          </a:custGeom>
+          <a:solidFill>
+            <a:srgbClr val="00B050"/>
+          </a:solidFill>
+          <a:ln>
+            <a:noFill/>
+          </a:ln>
+        </p:spPr>
+        <p:style>
+          <a:lnRef idx="2">
+            <a:schemeClr val="accent1">
+              <a:shade val="50000"/>
+            </a:schemeClr>
+          </a:lnRef>
+          <a:fillRef idx="1">
+            <a:schemeClr val="accent1"/>
+          </a:fillRef>
+          <a:effectRef idx="0">
+            <a:schemeClr val="accent1"/>
+          </a:effectRef>
+          <a:fontRef idx="minor">
+            <a:schemeClr val="lt1"/>
+          </a:fontRef>
+        </p:style>
+        <p:txBody>
+          <a:bodyPr wrap="square" rtlCol="0" anchor="ctr">
+            <a:noAutofit/>
+          </a:bodyPr>
+          <a:lstStyle/>
+          <a:p>
+            <a:pPr algn="ctr"/>
+            <a:endParaRPr lang="zh-CN" altLang="en-US"/>
+          </a:p>
+        </p:txBody>
+      </p:sp>
+      <p:sp>
+        <p:nvSpPr>
+          <p:cNvPr id="14" name="椭圆 13">
+            <a:extLst>
+              <a:ext uri="{FF2B5EF4-FFF2-40B4-BE49-F238E27FC236}">
+                <a16:creationId xmlns:a16="http://schemas.microsoft.com/office/drawing/2014/main" id="{5090F69F-8ACA-BBDB-03ED-B6C8F75CE547}"/>
+              </a:ext>
+            </a:extLst>
+          </p:cNvPr>
+          <p:cNvSpPr>
+            <a:spLocks noChangeAspect="1"/>
+          </p:cNvSpPr>
+          <p:nvPr/>
+        </p:nvSpPr>
+        <p:spPr>
+          <a:xfrm>
+            <a:off x="252000" y="333000"/>
+            <a:ext cx="395999" cy="396000"/>
+          </a:xfrm>
+          <a:prstGeom prst="ellipse">
+            <a:avLst/>
+          </a:prstGeom>
+          <a:solidFill>
+            <a:schemeClr val="tx1">
+              <a:alpha val="40000"/>
+            </a:schemeClr>
+          </a:solidFill>
+          <a:ln>
+            <a:noFill/>
+          </a:ln>
+        </p:spPr>
+        <p:style>
+          <a:lnRef idx="2">
+            <a:schemeClr val="accent1">
+              <a:shade val="50000"/>
+            </a:schemeClr>
+          </a:lnRef>
+          <a:fillRef idx="1">
+            <a:schemeClr val="accent1"/>
+          </a:fillRef>
+          <a:effectRef idx="0">
+            <a:schemeClr val="accent1"/>
+          </a:effectRef>
+          <a:fontRef idx="minor">
+            <a:schemeClr val="lt1"/>
+          </a:fontRef>
+        </p:style>
+        <p:txBody>
+          <a:bodyPr wrap="square" rtlCol="0" anchor="ctr">
+            <a:noAutofit/>
+          </a:bodyPr>
+          <a:lstStyle/>
+          <a:p>
+            <a:pPr algn="ctr"/>
+            <a:endParaRPr lang="zh-CN" altLang="en-US" sz="4400" dirty="0"/>
+          </a:p>
+        </p:txBody>
+      </p:sp>
+    </p:spTree>
+    <p:extLst>
+      <p:ext uri="{BB962C8B-B14F-4D97-AF65-F5344CB8AC3E}">
+        <p14:creationId xmlns:p14="http://schemas.microsoft.com/office/powerpoint/2010/main" val="2003330779"/>
+      </p:ext>
+    </p:extLst>
+  </p:cSld>
+  <p:clrMapOvr>
+    <a:masterClrMapping/>
+  </p:clrMapOvr>
+</p:sld>
+</file>
+
+<file path=ppt/slides/slide9.xml><?xml version="1.0" encoding="utf-8"?>
 <p:sld xmlns:a="http://schemas.openxmlformats.org/drawingml/2006/main" xmlns:r="http://schemas.openxmlformats.org/officeDocument/2006/relationships" xmlns:p="http://schemas.openxmlformats.org/presentationml/2006/main">
   <p:cSld>
     <p:spTree>
@@ -44255,198 +46572,6 @@
 </p:sld>
 </file>
 
-<file path=ppt/slides/slide9.xml><?xml version="1.0" encoding="utf-8"?>
-<p:sld xmlns:a="http://schemas.openxmlformats.org/drawingml/2006/main" xmlns:r="http://schemas.openxmlformats.org/officeDocument/2006/relationships" xmlns:p="http://schemas.openxmlformats.org/presentationml/2006/main">
-  <p:cSld>
-    <p:spTree>
-      <p:nvGrpSpPr>
-        <p:cNvPr id="1" name=""/>
-        <p:cNvGrpSpPr/>
-        <p:nvPr/>
-      </p:nvGrpSpPr>
-      <p:grpSpPr>
-        <a:xfrm>
-          <a:off x="0" y="0"/>
-          <a:ext cx="0" cy="0"/>
-          <a:chOff x="0" y="0"/>
-          <a:chExt cx="0" cy="0"/>
-        </a:xfrm>
-      </p:grpSpPr>
-      <p:sp>
-        <p:nvSpPr>
-          <p:cNvPr id="2" name="椭圆 1">
-            <a:extLst>
-              <a:ext uri="{FF2B5EF4-FFF2-40B4-BE49-F238E27FC236}">
-                <a16:creationId xmlns:a16="http://schemas.microsoft.com/office/drawing/2014/main" id="{5B036F8D-7A35-86F6-86FB-23AC94C3662A}"/>
-              </a:ext>
-            </a:extLst>
-          </p:cNvPr>
-          <p:cNvSpPr>
-            <a:spLocks noChangeAspect="1"/>
-          </p:cNvSpPr>
-          <p:nvPr/>
-        </p:nvSpPr>
-        <p:spPr>
-          <a:xfrm>
-            <a:off x="215924" y="263679"/>
-            <a:ext cx="432204" cy="432205"/>
-          </a:xfrm>
-          <a:prstGeom prst="ellipse">
-            <a:avLst/>
-          </a:prstGeom>
-          <a:solidFill>
-            <a:srgbClr val="44BB44"/>
-          </a:solidFill>
-          <a:ln>
-            <a:solidFill>
-              <a:srgbClr val="00EE55"/>
-            </a:solidFill>
-          </a:ln>
-        </p:spPr>
-        <p:style>
-          <a:lnRef idx="2">
-            <a:schemeClr val="accent1">
-              <a:shade val="50000"/>
-            </a:schemeClr>
-          </a:lnRef>
-          <a:fillRef idx="1">
-            <a:schemeClr val="accent1"/>
-          </a:fillRef>
-          <a:effectRef idx="0">
-            <a:schemeClr val="accent1"/>
-          </a:effectRef>
-          <a:fontRef idx="minor">
-            <a:schemeClr val="lt1"/>
-          </a:fontRef>
-        </p:style>
-        <p:txBody>
-          <a:bodyPr wrap="square" rtlCol="0" anchor="ctr">
-            <a:noAutofit/>
-          </a:bodyPr>
-          <a:lstStyle/>
-          <a:p>
-            <a:pPr algn="ctr"/>
-            <a:endParaRPr lang="zh-CN" altLang="en-US" sz="4400" dirty="0"/>
-          </a:p>
-        </p:txBody>
-      </p:sp>
-      <p:sp>
-        <p:nvSpPr>
-          <p:cNvPr id="17" name="任意多边形: 形状 16">
-            <a:extLst>
-              <a:ext uri="{FF2B5EF4-FFF2-40B4-BE49-F238E27FC236}">
-                <a16:creationId xmlns:a16="http://schemas.microsoft.com/office/drawing/2014/main" id="{9B6BF4C1-C860-002D-D945-6EDE379607E4}"/>
-              </a:ext>
-            </a:extLst>
-          </p:cNvPr>
-          <p:cNvSpPr/>
-          <p:nvPr/>
-        </p:nvSpPr>
-        <p:spPr>
-          <a:xfrm>
-            <a:off x="194426" y="236939"/>
-            <a:ext cx="475496" cy="475496"/>
-          </a:xfrm>
-          <a:custGeom>
-            <a:avLst/>
-            <a:gdLst>
-              <a:gd name="connsiteX0" fmla="*/ 280014 w 560028"/>
-              <a:gd name="connsiteY0" fmla="*/ 0 h 560028"/>
-              <a:gd name="connsiteX1" fmla="*/ 560028 w 560028"/>
-              <a:gd name="connsiteY1" fmla="*/ 280014 h 560028"/>
-              <a:gd name="connsiteX2" fmla="*/ 280014 w 560028"/>
-              <a:gd name="connsiteY2" fmla="*/ 560028 h 560028"/>
-              <a:gd name="connsiteX3" fmla="*/ 0 w 560028"/>
-              <a:gd name="connsiteY3" fmla="*/ 280014 h 560028"/>
-            </a:gdLst>
-            <a:ahLst/>
-            <a:cxnLst>
-              <a:cxn ang="0">
-                <a:pos x="connsiteX0" y="connsiteY0"/>
-              </a:cxn>
-              <a:cxn ang="0">
-                <a:pos x="connsiteX1" y="connsiteY1"/>
-              </a:cxn>
-              <a:cxn ang="0">
-                <a:pos x="connsiteX2" y="connsiteY2"/>
-              </a:cxn>
-              <a:cxn ang="0">
-                <a:pos x="connsiteX3" y="connsiteY3"/>
-              </a:cxn>
-            </a:cxnLst>
-            <a:rect l="l" t="t" r="r" b="b"/>
-            <a:pathLst>
-              <a:path w="560028" h="560028">
-                <a:moveTo>
-                  <a:pt x="280014" y="0"/>
-                </a:moveTo>
-                <a:lnTo>
-                  <a:pt x="560028" y="280014"/>
-                </a:lnTo>
-                <a:lnTo>
-                  <a:pt x="280014" y="560028"/>
-                </a:lnTo>
-                <a:lnTo>
-                  <a:pt x="0" y="280014"/>
-                </a:lnTo>
-                <a:close/>
-              </a:path>
-            </a:pathLst>
-          </a:custGeom>
-          <a:solidFill>
-            <a:srgbClr val="E4C027"/>
-          </a:solidFill>
-          <a:ln>
-            <a:solidFill>
-              <a:srgbClr val="FFFF00"/>
-            </a:solidFill>
-          </a:ln>
-          <a:scene3d>
-            <a:camera prst="orthographicFront"/>
-            <a:lightRig rig="threePt" dir="t"/>
-          </a:scene3d>
-          <a:sp3d>
-            <a:bevelT w="25400" h="25400" prst="relaxedInset"/>
-          </a:sp3d>
-        </p:spPr>
-        <p:style>
-          <a:lnRef idx="2">
-            <a:schemeClr val="accent1">
-              <a:shade val="50000"/>
-            </a:schemeClr>
-          </a:lnRef>
-          <a:fillRef idx="1">
-            <a:schemeClr val="accent1"/>
-          </a:fillRef>
-          <a:effectRef idx="0">
-            <a:schemeClr val="accent1"/>
-          </a:effectRef>
-          <a:fontRef idx="minor">
-            <a:schemeClr val="lt1"/>
-          </a:fontRef>
-        </p:style>
-        <p:txBody>
-          <a:bodyPr rtlCol="0" anchor="ctr"/>
-          <a:lstStyle/>
-          <a:p>
-            <a:pPr algn="ctr"/>
-            <a:endParaRPr lang="zh-CN" altLang="en-US" dirty="0"/>
-          </a:p>
-        </p:txBody>
-      </p:sp>
-    </p:spTree>
-    <p:extLst>
-      <p:ext uri="{BB962C8B-B14F-4D97-AF65-F5344CB8AC3E}">
-        <p14:creationId xmlns:p14="http://schemas.microsoft.com/office/powerpoint/2010/main" val="205710510"/>
-      </p:ext>
-    </p:extLst>
-  </p:cSld>
-  <p:clrMapOvr>
-    <a:masterClrMapping/>
-  </p:clrMapOvr>
-</p:sld>
-</file>
-
 <file path=ppt/theme/theme1.xml><?xml version="1.0" encoding="utf-8"?>
 <a:theme xmlns:a="http://schemas.openxmlformats.org/drawingml/2006/main" name="Office 主题​​">
   <a:themeElements>
